--- a/QS_Training_JS_JQuery_Basic.pptx
+++ b/QS_Training_JS_JQuery_Basic.pptx
@@ -5,21 +5,26 @@
     <p:sldMasterId id="2147485495" r:id="rId1"/>
   </p:sldMasterIdLst>
   <p:notesMasterIdLst>
-    <p:notesMasterId r:id="rId11"/>
+    <p:notesMasterId r:id="rId16"/>
   </p:notesMasterIdLst>
   <p:handoutMasterIdLst>
-    <p:handoutMasterId r:id="rId12"/>
+    <p:handoutMasterId r:id="rId17"/>
   </p:handoutMasterIdLst>
   <p:sldIdLst>
     <p:sldId id="256" r:id="rId2"/>
     <p:sldId id="369" r:id="rId3"/>
     <p:sldId id="370" r:id="rId4"/>
-    <p:sldId id="375" r:id="rId5"/>
-    <p:sldId id="376" r:id="rId6"/>
-    <p:sldId id="372" r:id="rId7"/>
-    <p:sldId id="373" r:id="rId8"/>
-    <p:sldId id="367" r:id="rId9"/>
-    <p:sldId id="333" r:id="rId10"/>
+    <p:sldId id="376" r:id="rId5"/>
+    <p:sldId id="377" r:id="rId6"/>
+    <p:sldId id="378" r:id="rId7"/>
+    <p:sldId id="379" r:id="rId8"/>
+    <p:sldId id="380" r:id="rId9"/>
+    <p:sldId id="381" r:id="rId10"/>
+    <p:sldId id="382" r:id="rId11"/>
+    <p:sldId id="372" r:id="rId12"/>
+    <p:sldId id="373" r:id="rId13"/>
+    <p:sldId id="367" r:id="rId14"/>
+    <p:sldId id="333" r:id="rId15"/>
   </p:sldIdLst>
   <p:sldSz cx="9144000" cy="6858000" type="screen4x3"/>
   <p:notesSz cx="6858000" cy="9144000"/>
@@ -120,7 +125,7 @@
   </p:defaultTextStyle>
   <p:extLst>
     <p:ext uri="{EFAFB233-063F-42B5-8137-9DF3F51BA10A}">
-      <p15:sldGuideLst xmlns:p15="http://schemas.microsoft.com/office/powerpoint/2012/main" xmlns="">
+      <p15:sldGuideLst xmlns:p15="http://schemas.microsoft.com/office/powerpoint/2012/main">
         <p15:guide id="1" orient="horz" pos="2160">
           <p15:clr>
             <a:srgbClr val="A4A3A4"/>
@@ -220,7 +225,7 @@
             <a:fld id="{AEC239D8-9946-CA43-8D24-8F75F9EC746F}" type="datetimeFigureOut">
               <a:rPr lang="en-US" smtClean="0"/>
               <a:pPr/>
-              <a:t>7/26/2015</a:t>
+              <a:t>27/07/2015</a:t>
             </a:fld>
             <a:endParaRPr lang="en-US"/>
           </a:p>
@@ -388,7 +393,7 @@
             <a:fld id="{30D3C4F2-547F-4EAC-A4FB-1991884D518B}" type="datetimeFigureOut">
               <a:rPr lang="en-US" smtClean="0"/>
               <a:pPr/>
-              <a:t>7/26/2015</a:t>
+              <a:t>27/07/2015</a:t>
             </a:fld>
             <a:endParaRPr lang="en-US"/>
           </a:p>
@@ -930,7 +935,7 @@
           <a:p>
             <a:fld id="{8695E4D3-92F1-F74E-BDA8-3EA24612ADAC}" type="datetime2">
               <a:rPr lang="en-US" smtClean="0"/>
-              <a:t>Sunday, July 26, 2015</a:t>
+              <a:t>Monday, July 27, 2015</a:t>
             </a:fld>
             <a:endParaRPr lang="en-US"/>
           </a:p>
@@ -1124,7 +1129,7 @@
           <a:p>
             <a:fld id="{9358C7B7-FC72-9D41-BEE1-BB86D4F232B4}" type="datetime2">
               <a:rPr lang="en-US" smtClean="0"/>
-              <a:t>Sunday, July 26, 2015</a:t>
+              <a:t>Monday, July 27, 2015</a:t>
             </a:fld>
             <a:endParaRPr lang="en-US"/>
           </a:p>
@@ -1328,7 +1333,7 @@
           <a:p>
             <a:fld id="{556E821B-96E8-764D-BF74-9827494534E4}" type="datetime2">
               <a:rPr lang="en-US" smtClean="0"/>
-              <a:t>Sunday, July 26, 2015</a:t>
+              <a:t>Monday, July 27, 2015</a:t>
             </a:fld>
             <a:endParaRPr lang="en-US"/>
           </a:p>
@@ -1532,7 +1537,7 @@
           <a:p>
             <a:fld id="{D8D89BD2-8F64-7D49-B0EC-A10964D418B9}" type="datetime2">
               <a:rPr lang="en-US" smtClean="0"/>
-              <a:t>Sunday, July 26, 2015</a:t>
+              <a:t>Monday, July 27, 2015</a:t>
             </a:fld>
             <a:endParaRPr lang="en-US"/>
           </a:p>
@@ -1802,7 +1807,7 @@
           <a:p>
             <a:fld id="{5166F277-A6C8-D74E-AD9A-DEDC5E2BD837}" type="datetime2">
               <a:rPr lang="en-US" smtClean="0"/>
-              <a:t>Sunday, July 26, 2015</a:t>
+              <a:t>Monday, July 27, 2015</a:t>
             </a:fld>
             <a:endParaRPr lang="en-US"/>
           </a:p>
@@ -2119,7 +2124,7 @@
           <a:p>
             <a:fld id="{68B6B04E-5C92-7445-BA45-A4E3769C0C5A}" type="datetime2">
               <a:rPr lang="en-US" smtClean="0"/>
-              <a:t>Sunday, July 26, 2015</a:t>
+              <a:t>Monday, July 27, 2015</a:t>
             </a:fld>
             <a:endParaRPr lang="en-US"/>
           </a:p>
@@ -2570,7 +2575,7 @@
           <a:p>
             <a:fld id="{A48670BD-E6C9-264B-B690-760DD144ACC6}" type="datetime2">
               <a:rPr lang="en-US" smtClean="0"/>
-              <a:t>Sunday, July 26, 2015</a:t>
+              <a:t>Monday, July 27, 2015</a:t>
             </a:fld>
             <a:endParaRPr lang="en-US"/>
           </a:p>
@@ -2717,7 +2722,7 @@
           <a:p>
             <a:fld id="{30675A36-41C1-3640-8C6B-1BC6AFC60484}" type="datetime2">
               <a:rPr lang="en-US" smtClean="0"/>
-              <a:t>Sunday, July 26, 2015</a:t>
+              <a:t>Monday, July 27, 2015</a:t>
             </a:fld>
             <a:endParaRPr lang="en-US"/>
           </a:p>
@@ -2836,7 +2841,7 @@
           <a:p>
             <a:fld id="{937F365B-D897-1947-952A-6C45D93ACDC1}" type="datetime2">
               <a:rPr lang="en-US" smtClean="0"/>
-              <a:t>Sunday, July 26, 2015</a:t>
+              <a:t>Monday, July 27, 2015</a:t>
             </a:fld>
             <a:endParaRPr lang="en-US"/>
           </a:p>
@@ -3137,7 +3142,7 @@
           <a:p>
             <a:fld id="{2BEF7792-C4C4-FC44-A7F5-725EC2CD30B1}" type="datetime2">
               <a:rPr lang="en-US" smtClean="0"/>
-              <a:t>Sunday, July 26, 2015</a:t>
+              <a:t>Monday, July 27, 2015</a:t>
             </a:fld>
             <a:endParaRPr lang="en-US"/>
           </a:p>
@@ -3421,7 +3426,7 @@
           <a:p>
             <a:fld id="{EC13829E-7EE3-3944-BE84-808F00A9FAF3}" type="datetime2">
               <a:rPr lang="en-US" smtClean="0"/>
-              <a:t>Sunday, July 26, 2015</a:t>
+              <a:t>Monday, July 27, 2015</a:t>
             </a:fld>
             <a:endParaRPr lang="en-US"/>
           </a:p>
@@ -3686,7 +3691,7 @@
           <a:p>
             <a:fld id="{92714F1E-B45D-F141-BCEC-0A4A490D9DB7}" type="datetime2">
               <a:rPr lang="en-US" smtClean="0"/>
-              <a:t>Sunday, July 26, 2015</a:t>
+              <a:t>Monday, July 27, 2015</a:t>
             </a:fld>
             <a:endParaRPr lang="en-US" dirty="0"/>
           </a:p>
@@ -4448,6 +4453,1434 @@
 </p:sld>
 </file>
 
+<file path=ppt/slides/slide10.xml><?xml version="1.0" encoding="utf-8"?>
+<p:sld xmlns:a="http://schemas.openxmlformats.org/drawingml/2006/main" xmlns:r="http://schemas.openxmlformats.org/officeDocument/2006/relationships" xmlns:p="http://schemas.openxmlformats.org/presentationml/2006/main">
+  <p:cSld>
+    <p:spTree>
+      <p:nvGrpSpPr>
+        <p:cNvPr id="1" name=""/>
+        <p:cNvGrpSpPr/>
+        <p:nvPr/>
+      </p:nvGrpSpPr>
+      <p:grpSpPr>
+        <a:xfrm>
+          <a:off x="0" y="0"/>
+          <a:ext cx="0" cy="0"/>
+          <a:chOff x="0" y="0"/>
+          <a:chExt cx="0" cy="0"/>
+        </a:xfrm>
+      </p:grpSpPr>
+      <p:sp>
+        <p:nvSpPr>
+          <p:cNvPr id="8193" name="Rectangle 2"/>
+          <p:cNvSpPr>
+            <a:spLocks noGrp="1" noChangeArrowheads="1"/>
+          </p:cNvSpPr>
+          <p:nvPr>
+            <p:ph type="title"/>
+          </p:nvPr>
+        </p:nvSpPr>
+        <p:spPr>
+          <a:xfrm>
+            <a:off x="457200" y="512223"/>
+            <a:ext cx="8229600" cy="739014"/>
+          </a:xfrm>
+        </p:spPr>
+        <p:txBody>
+          <a:bodyPr/>
+          <a:lstStyle/>
+          <a:p>
+            <a:r>
+              <a:rPr lang="en-US" dirty="0" smtClean="0">
+                <a:latin typeface="Avenir Medium"/>
+                <a:cs typeface="Avenir Medium"/>
+              </a:rPr>
+              <a:t>Manipulation</a:t>
+            </a:r>
+            <a:endParaRPr lang="en-US" dirty="0">
+              <a:latin typeface="Avenir Medium"/>
+              <a:cs typeface="Avenir Medium"/>
+            </a:endParaRPr>
+          </a:p>
+        </p:txBody>
+      </p:sp>
+      <p:sp>
+        <p:nvSpPr>
+          <p:cNvPr id="5" name="Rectangle 3"/>
+          <p:cNvSpPr>
+            <a:spLocks noGrp="1" noChangeArrowheads="1"/>
+          </p:cNvSpPr>
+          <p:nvPr>
+            <p:ph idx="1"/>
+          </p:nvPr>
+        </p:nvSpPr>
+        <p:spPr>
+          <a:xfrm>
+            <a:off x="457200" y="1425009"/>
+            <a:ext cx="3200400" cy="4940266"/>
+          </a:xfrm>
+        </p:spPr>
+        <p:txBody>
+          <a:bodyPr/>
+          <a:lstStyle/>
+          <a:p>
+            <a:r>
+              <a:rPr lang="en-US" sz="2600" dirty="0" smtClean="0">
+                <a:latin typeface="Calibri" charset="0"/>
+              </a:rPr>
+              <a:t>after()</a:t>
+            </a:r>
+          </a:p>
+          <a:p>
+            <a:r>
+              <a:rPr lang="en-US" sz="2600" dirty="0" smtClean="0">
+                <a:latin typeface="Calibri" charset="0"/>
+              </a:rPr>
+              <a:t>append()</a:t>
+            </a:r>
+          </a:p>
+          <a:p>
+            <a:r>
+              <a:rPr lang="en-US" sz="2600" dirty="0" err="1" smtClean="0">
+                <a:latin typeface="Calibri" charset="0"/>
+              </a:rPr>
+              <a:t>appendTo</a:t>
+            </a:r>
+            <a:r>
+              <a:rPr lang="en-US" sz="2600" dirty="0" smtClean="0">
+                <a:latin typeface="Calibri" charset="0"/>
+              </a:rPr>
+              <a:t>()</a:t>
+            </a:r>
+          </a:p>
+          <a:p>
+            <a:r>
+              <a:rPr lang="en-US" sz="2600" dirty="0" smtClean="0">
+                <a:latin typeface="Calibri" charset="0"/>
+              </a:rPr>
+              <a:t>before()</a:t>
+            </a:r>
+          </a:p>
+          <a:p>
+            <a:r>
+              <a:rPr lang="en-US" sz="2600" dirty="0" smtClean="0">
+                <a:latin typeface="Calibri" charset="0"/>
+              </a:rPr>
+              <a:t>clone()</a:t>
+            </a:r>
+          </a:p>
+          <a:p>
+            <a:r>
+              <a:rPr lang="en-US" sz="2600" dirty="0" smtClean="0">
+                <a:latin typeface="Calibri" charset="0"/>
+              </a:rPr>
+              <a:t>detach()</a:t>
+            </a:r>
+          </a:p>
+          <a:p>
+            <a:r>
+              <a:rPr lang="en-US" sz="2600" dirty="0" smtClean="0">
+                <a:latin typeface="Calibri" charset="0"/>
+              </a:rPr>
+              <a:t>empty()</a:t>
+            </a:r>
+          </a:p>
+          <a:p>
+            <a:r>
+              <a:rPr lang="en-US" sz="2600" dirty="0" err="1" smtClean="0">
+                <a:latin typeface="Calibri" charset="0"/>
+              </a:rPr>
+              <a:t>insertAfter</a:t>
+            </a:r>
+            <a:r>
+              <a:rPr lang="en-US" sz="2600" dirty="0" smtClean="0">
+                <a:latin typeface="Calibri" charset="0"/>
+              </a:rPr>
+              <a:t>()</a:t>
+            </a:r>
+          </a:p>
+          <a:p>
+            <a:r>
+              <a:rPr lang="en-US" sz="2600" dirty="0" err="1" smtClean="0">
+                <a:latin typeface="Calibri" charset="0"/>
+              </a:rPr>
+              <a:t>insertBefore</a:t>
+            </a:r>
+            <a:r>
+              <a:rPr lang="en-US" sz="2600" dirty="0" smtClean="0">
+                <a:latin typeface="Calibri" charset="0"/>
+              </a:rPr>
+              <a:t>()</a:t>
+            </a:r>
+          </a:p>
+          <a:p>
+            <a:r>
+              <a:rPr lang="en-US" sz="2600" dirty="0" smtClean="0">
+                <a:latin typeface="Calibri" charset="0"/>
+              </a:rPr>
+              <a:t>pretend()</a:t>
+            </a:r>
+            <a:endParaRPr lang="en-US" sz="2600" dirty="0">
+              <a:latin typeface="Calibri" charset="0"/>
+            </a:endParaRPr>
+          </a:p>
+          <a:p>
+            <a:pPr marL="0" indent="0">
+              <a:buNone/>
+            </a:pPr>
+            <a:endParaRPr lang="en-US" sz="2600" dirty="0" smtClean="0">
+              <a:latin typeface="Calibri" charset="0"/>
+            </a:endParaRPr>
+          </a:p>
+          <a:p>
+            <a:pPr marL="0" indent="0">
+              <a:buNone/>
+            </a:pPr>
+            <a:endParaRPr lang="en-US" sz="2600" dirty="0" smtClean="0">
+              <a:latin typeface="Calibri" charset="0"/>
+            </a:endParaRPr>
+          </a:p>
+        </p:txBody>
+      </p:sp>
+      <p:sp>
+        <p:nvSpPr>
+          <p:cNvPr id="4" name="Rectangle 3"/>
+          <p:cNvSpPr txBox="1">
+            <a:spLocks noChangeArrowheads="1"/>
+          </p:cNvSpPr>
+          <p:nvPr/>
+        </p:nvSpPr>
+        <p:spPr bwMode="auto">
+          <a:xfrm>
+            <a:off x="5021344" y="1425009"/>
+            <a:ext cx="3200400" cy="4940266"/>
+          </a:xfrm>
+          <a:prstGeom prst="rect">
+            <a:avLst/>
+          </a:prstGeom>
+          <a:noFill/>
+          <a:ln w="9525">
+            <a:noFill/>
+            <a:miter lim="800000"/>
+            <a:headEnd/>
+            <a:tailEnd/>
+          </a:ln>
+        </p:spPr>
+        <p:txBody>
+          <a:bodyPr vert="horz" wrap="square" lIns="91440" tIns="45720" rIns="91440" bIns="45720" numCol="1" anchor="t" anchorCtr="0" compatLnSpc="1">
+            <a:prstTxWarp prst="textNoShape">
+              <a:avLst/>
+            </a:prstTxWarp>
+          </a:bodyPr>
+          <a:lstStyle>
+            <a:lvl1pPr marL="342900" indent="-342900" algn="l" rtl="0" eaLnBrk="1" fontAlgn="base" hangingPunct="1">
+              <a:spcBef>
+                <a:spcPct val="20000"/>
+              </a:spcBef>
+              <a:spcAft>
+                <a:spcPct val="0"/>
+              </a:spcAft>
+              <a:buFont typeface="Arial" charset="0"/>
+              <a:buChar char="•"/>
+              <a:defRPr sz="2400" kern="1200">
+                <a:solidFill>
+                  <a:schemeClr val="tx1"/>
+                </a:solidFill>
+                <a:latin typeface="+mn-lt"/>
+                <a:ea typeface="+mn-ea"/>
+                <a:cs typeface="+mn-cs"/>
+              </a:defRPr>
+            </a:lvl1pPr>
+            <a:lvl2pPr marL="742950" indent="-285750" algn="l" rtl="0" eaLnBrk="1" fontAlgn="base" hangingPunct="1">
+              <a:spcBef>
+                <a:spcPct val="20000"/>
+              </a:spcBef>
+              <a:spcAft>
+                <a:spcPct val="0"/>
+              </a:spcAft>
+              <a:buFont typeface="Arial" charset="0"/>
+              <a:buChar char="–"/>
+              <a:defRPr sz="2000" kern="1200">
+                <a:solidFill>
+                  <a:schemeClr val="tx1"/>
+                </a:solidFill>
+                <a:latin typeface="+mn-lt"/>
+                <a:ea typeface="+mn-ea"/>
+                <a:cs typeface="+mn-cs"/>
+              </a:defRPr>
+            </a:lvl2pPr>
+            <a:lvl3pPr marL="1143000" indent="-228600" algn="l" rtl="0" eaLnBrk="1" fontAlgn="base" hangingPunct="1">
+              <a:spcBef>
+                <a:spcPct val="20000"/>
+              </a:spcBef>
+              <a:spcAft>
+                <a:spcPct val="0"/>
+              </a:spcAft>
+              <a:buFont typeface="Arial" charset="0"/>
+              <a:buChar char="•"/>
+              <a:defRPr kern="1200">
+                <a:solidFill>
+                  <a:schemeClr val="tx1"/>
+                </a:solidFill>
+                <a:latin typeface="+mn-lt"/>
+                <a:ea typeface="+mn-ea"/>
+                <a:cs typeface="+mn-cs"/>
+              </a:defRPr>
+            </a:lvl3pPr>
+            <a:lvl4pPr marL="1600200" indent="-228600" algn="l" rtl="0" eaLnBrk="1" fontAlgn="base" hangingPunct="1">
+              <a:spcBef>
+                <a:spcPct val="20000"/>
+              </a:spcBef>
+              <a:spcAft>
+                <a:spcPct val="0"/>
+              </a:spcAft>
+              <a:buFont typeface="Arial" charset="0"/>
+              <a:buChar char="–"/>
+              <a:defRPr sz="1600" kern="1200">
+                <a:solidFill>
+                  <a:schemeClr val="tx1"/>
+                </a:solidFill>
+                <a:latin typeface="+mn-lt"/>
+                <a:ea typeface="+mn-ea"/>
+                <a:cs typeface="+mn-cs"/>
+              </a:defRPr>
+            </a:lvl4pPr>
+            <a:lvl5pPr marL="2057400" indent="-228600" algn="l" rtl="0" eaLnBrk="1" fontAlgn="base" hangingPunct="1">
+              <a:spcBef>
+                <a:spcPct val="20000"/>
+              </a:spcBef>
+              <a:spcAft>
+                <a:spcPct val="0"/>
+              </a:spcAft>
+              <a:buFont typeface="Arial" charset="0"/>
+              <a:buChar char="»"/>
+              <a:defRPr sz="1600" kern="1200">
+                <a:solidFill>
+                  <a:schemeClr val="tx1"/>
+                </a:solidFill>
+                <a:latin typeface="+mn-lt"/>
+                <a:ea typeface="+mn-ea"/>
+                <a:cs typeface="+mn-cs"/>
+              </a:defRPr>
+            </a:lvl5pPr>
+            <a:lvl6pPr marL="2514600" indent="-228600" algn="l" defTabSz="914400" rtl="0" eaLnBrk="1" latinLnBrk="0" hangingPunct="1">
+              <a:spcBef>
+                <a:spcPct val="20000"/>
+              </a:spcBef>
+              <a:buFont typeface="Arial" pitchFamily="34" charset="0"/>
+              <a:buChar char="•"/>
+              <a:defRPr sz="2000" kern="1200">
+                <a:solidFill>
+                  <a:schemeClr val="tx1"/>
+                </a:solidFill>
+                <a:latin typeface="+mn-lt"/>
+                <a:ea typeface="+mn-ea"/>
+                <a:cs typeface="+mn-cs"/>
+              </a:defRPr>
+            </a:lvl6pPr>
+            <a:lvl7pPr marL="2971800" indent="-228600" algn="l" defTabSz="914400" rtl="0" eaLnBrk="1" latinLnBrk="0" hangingPunct="1">
+              <a:spcBef>
+                <a:spcPct val="20000"/>
+              </a:spcBef>
+              <a:buFont typeface="Arial" pitchFamily="34" charset="0"/>
+              <a:buChar char="•"/>
+              <a:defRPr sz="2000" kern="1200">
+                <a:solidFill>
+                  <a:schemeClr val="tx1"/>
+                </a:solidFill>
+                <a:latin typeface="+mn-lt"/>
+                <a:ea typeface="+mn-ea"/>
+                <a:cs typeface="+mn-cs"/>
+              </a:defRPr>
+            </a:lvl7pPr>
+            <a:lvl8pPr marL="3429000" indent="-228600" algn="l" defTabSz="914400" rtl="0" eaLnBrk="1" latinLnBrk="0" hangingPunct="1">
+              <a:spcBef>
+                <a:spcPct val="20000"/>
+              </a:spcBef>
+              <a:buFont typeface="Arial" pitchFamily="34" charset="0"/>
+              <a:buChar char="•"/>
+              <a:defRPr sz="2000" kern="1200">
+                <a:solidFill>
+                  <a:schemeClr val="tx1"/>
+                </a:solidFill>
+                <a:latin typeface="+mn-lt"/>
+                <a:ea typeface="+mn-ea"/>
+                <a:cs typeface="+mn-cs"/>
+              </a:defRPr>
+            </a:lvl8pPr>
+            <a:lvl9pPr marL="3886200" indent="-228600" algn="l" defTabSz="914400" rtl="0" eaLnBrk="1" latinLnBrk="0" hangingPunct="1">
+              <a:spcBef>
+                <a:spcPct val="20000"/>
+              </a:spcBef>
+              <a:buFont typeface="Arial" pitchFamily="34" charset="0"/>
+              <a:buChar char="•"/>
+              <a:defRPr sz="2000" kern="1200">
+                <a:solidFill>
+                  <a:schemeClr val="tx1"/>
+                </a:solidFill>
+                <a:latin typeface="+mn-lt"/>
+                <a:ea typeface="+mn-ea"/>
+                <a:cs typeface="+mn-cs"/>
+              </a:defRPr>
+            </a:lvl9pPr>
+          </a:lstStyle>
+          <a:p>
+            <a:r>
+              <a:rPr lang="en-US" sz="2600" dirty="0" err="1" smtClean="0">
+                <a:latin typeface="Calibri" charset="0"/>
+              </a:rPr>
+              <a:t>pretendTo</a:t>
+            </a:r>
+            <a:r>
+              <a:rPr lang="en-US" sz="2600" dirty="0" smtClean="0">
+                <a:latin typeface="Calibri" charset="0"/>
+              </a:rPr>
+              <a:t>()</a:t>
+            </a:r>
+          </a:p>
+          <a:p>
+            <a:r>
+              <a:rPr lang="en-US" sz="2600" dirty="0" smtClean="0">
+                <a:latin typeface="Calibri" charset="0"/>
+              </a:rPr>
+              <a:t>remove()</a:t>
+            </a:r>
+          </a:p>
+          <a:p>
+            <a:r>
+              <a:rPr lang="en-US" sz="2600" dirty="0" err="1" smtClean="0">
+                <a:latin typeface="Calibri" charset="0"/>
+              </a:rPr>
+              <a:t>replaceAll</a:t>
+            </a:r>
+            <a:r>
+              <a:rPr lang="en-US" sz="2600" dirty="0" smtClean="0">
+                <a:latin typeface="Calibri" charset="0"/>
+              </a:rPr>
+              <a:t>()</a:t>
+            </a:r>
+          </a:p>
+          <a:p>
+            <a:r>
+              <a:rPr lang="en-US" sz="2600" dirty="0" err="1" smtClean="0">
+                <a:latin typeface="Calibri" charset="0"/>
+              </a:rPr>
+              <a:t>replaceWidth</a:t>
+            </a:r>
+            <a:r>
+              <a:rPr lang="en-US" sz="2600" dirty="0" smtClean="0">
+                <a:latin typeface="Calibri" charset="0"/>
+              </a:rPr>
+              <a:t>()</a:t>
+            </a:r>
+          </a:p>
+          <a:p>
+            <a:r>
+              <a:rPr lang="en-US" sz="2600" dirty="0" smtClean="0">
+                <a:latin typeface="Calibri" charset="0"/>
+              </a:rPr>
+              <a:t>text()</a:t>
+            </a:r>
+          </a:p>
+          <a:p>
+            <a:r>
+              <a:rPr lang="en-US" sz="2600" dirty="0" smtClean="0">
+                <a:latin typeface="Calibri" charset="0"/>
+              </a:rPr>
+              <a:t>unwrap()</a:t>
+            </a:r>
+          </a:p>
+          <a:p>
+            <a:r>
+              <a:rPr lang="en-US" sz="2600" dirty="0" smtClean="0">
+                <a:latin typeface="Calibri" charset="0"/>
+              </a:rPr>
+              <a:t>wrap()</a:t>
+            </a:r>
+          </a:p>
+          <a:p>
+            <a:r>
+              <a:rPr lang="en-US" sz="2600" dirty="0" err="1" smtClean="0">
+                <a:latin typeface="Calibri" charset="0"/>
+              </a:rPr>
+              <a:t>wrapAll</a:t>
+            </a:r>
+            <a:r>
+              <a:rPr lang="en-US" sz="2600" dirty="0" smtClean="0">
+                <a:latin typeface="Calibri" charset="0"/>
+              </a:rPr>
+              <a:t>()</a:t>
+            </a:r>
+          </a:p>
+          <a:p>
+            <a:r>
+              <a:rPr lang="en-US" sz="2600" dirty="0" err="1" smtClean="0">
+                <a:latin typeface="Calibri" charset="0"/>
+              </a:rPr>
+              <a:t>wrapInner</a:t>
+            </a:r>
+            <a:r>
+              <a:rPr lang="en-US" sz="2600" smtClean="0">
+                <a:latin typeface="Calibri" charset="0"/>
+              </a:rPr>
+              <a:t>()</a:t>
+            </a:r>
+            <a:endParaRPr lang="en-US" sz="2600" dirty="0" smtClean="0">
+              <a:latin typeface="Calibri" charset="0"/>
+            </a:endParaRPr>
+          </a:p>
+          <a:p>
+            <a:pPr marL="0" indent="0">
+              <a:buFont typeface="Arial" charset="0"/>
+              <a:buNone/>
+            </a:pPr>
+            <a:endParaRPr lang="en-US" sz="2600" dirty="0" smtClean="0">
+              <a:latin typeface="Calibri" charset="0"/>
+            </a:endParaRPr>
+          </a:p>
+          <a:p>
+            <a:pPr marL="0" indent="0">
+              <a:buFont typeface="Arial" charset="0"/>
+              <a:buNone/>
+            </a:pPr>
+            <a:endParaRPr lang="en-US" sz="2600" dirty="0" smtClean="0">
+              <a:latin typeface="Calibri" charset="0"/>
+            </a:endParaRPr>
+          </a:p>
+        </p:txBody>
+      </p:sp>
+    </p:spTree>
+    <p:extLst>
+      <p:ext uri="{BB962C8B-B14F-4D97-AF65-F5344CB8AC3E}">
+        <p14:creationId xmlns:p14="http://schemas.microsoft.com/office/powerpoint/2010/main" val="575513463"/>
+      </p:ext>
+    </p:extLst>
+  </p:cSld>
+  <p:clrMapOvr>
+    <a:masterClrMapping/>
+  </p:clrMapOvr>
+  <mc:AlternateContent xmlns:mc="http://schemas.openxmlformats.org/markup-compatibility/2006" xmlns:p14="http://schemas.microsoft.com/office/powerpoint/2010/main">
+    <mc:Choice Requires="p14">
+      <p:transition p14:dur="100">
+        <p:cut/>
+      </p:transition>
+    </mc:Choice>
+    <mc:Fallback xmlns="">
+      <p:transition>
+        <p:cut/>
+      </p:transition>
+    </mc:Fallback>
+  </mc:AlternateContent>
+  <p:timing>
+    <p:tnLst>
+      <p:par>
+        <p:cTn id="1" dur="indefinite" restart="never" nodeType="tmRoot"/>
+      </p:par>
+    </p:tnLst>
+  </p:timing>
+</p:sld>
+</file>
+
+<file path=ppt/slides/slide11.xml><?xml version="1.0" encoding="utf-8"?>
+<p:sld xmlns:a="http://schemas.openxmlformats.org/drawingml/2006/main" xmlns:r="http://schemas.openxmlformats.org/officeDocument/2006/relationships" xmlns:p="http://schemas.openxmlformats.org/presentationml/2006/main">
+  <p:cSld>
+    <p:spTree>
+      <p:nvGrpSpPr>
+        <p:cNvPr id="1" name=""/>
+        <p:cNvGrpSpPr/>
+        <p:nvPr/>
+      </p:nvGrpSpPr>
+      <p:grpSpPr>
+        <a:xfrm>
+          <a:off x="0" y="0"/>
+          <a:ext cx="0" cy="0"/>
+          <a:chOff x="0" y="0"/>
+          <a:chExt cx="0" cy="0"/>
+        </a:xfrm>
+      </p:grpSpPr>
+      <p:sp>
+        <p:nvSpPr>
+          <p:cNvPr id="8193" name="Rectangle 2"/>
+          <p:cNvSpPr>
+            <a:spLocks noGrp="1" noChangeArrowheads="1"/>
+          </p:cNvSpPr>
+          <p:nvPr>
+            <p:ph type="title"/>
+          </p:nvPr>
+        </p:nvSpPr>
+        <p:spPr>
+          <a:xfrm>
+            <a:off x="457200" y="512223"/>
+            <a:ext cx="8229600" cy="739014"/>
+          </a:xfrm>
+        </p:spPr>
+        <p:txBody>
+          <a:bodyPr/>
+          <a:lstStyle/>
+          <a:p>
+            <a:r>
+              <a:rPr lang="en-US" dirty="0" smtClean="0">
+                <a:latin typeface="Avenir Medium"/>
+                <a:cs typeface="Avenir Medium"/>
+              </a:rPr>
+              <a:t>SUMMARIZE</a:t>
+            </a:r>
+            <a:endParaRPr lang="en-US" dirty="0">
+              <a:latin typeface="Avenir Medium"/>
+              <a:cs typeface="Avenir Medium"/>
+            </a:endParaRPr>
+          </a:p>
+        </p:txBody>
+      </p:sp>
+      <p:sp>
+        <p:nvSpPr>
+          <p:cNvPr id="5" name="Rectangle 3"/>
+          <p:cNvSpPr>
+            <a:spLocks noGrp="1" noChangeArrowheads="1"/>
+          </p:cNvSpPr>
+          <p:nvPr>
+            <p:ph idx="1"/>
+          </p:nvPr>
+        </p:nvSpPr>
+        <p:spPr>
+          <a:xfrm>
+            <a:off x="457200" y="1425009"/>
+            <a:ext cx="8229600" cy="4940266"/>
+          </a:xfrm>
+        </p:spPr>
+        <p:txBody>
+          <a:bodyPr/>
+          <a:lstStyle/>
+          <a:p>
+            <a:r>
+              <a:rPr lang="en-US" sz="4000" dirty="0" err="1" smtClean="0">
+                <a:latin typeface="Calibri" charset="0"/>
+              </a:rPr>
+              <a:t>Tổng</a:t>
+            </a:r>
+            <a:r>
+              <a:rPr lang="en-US" sz="4000" dirty="0" smtClean="0">
+                <a:latin typeface="Calibri" charset="0"/>
+              </a:rPr>
+              <a:t> </a:t>
+            </a:r>
+            <a:r>
+              <a:rPr lang="en-US" sz="4000" dirty="0" err="1" smtClean="0">
+                <a:latin typeface="Calibri" charset="0"/>
+              </a:rPr>
+              <a:t>hợp</a:t>
+            </a:r>
+            <a:r>
+              <a:rPr lang="en-US" sz="4000" dirty="0" smtClean="0">
+                <a:latin typeface="Calibri" charset="0"/>
+              </a:rPr>
+              <a:t> </a:t>
+            </a:r>
+            <a:r>
+              <a:rPr lang="en-US" sz="4000" dirty="0" err="1" smtClean="0">
+                <a:latin typeface="Calibri" charset="0"/>
+              </a:rPr>
+              <a:t>các</a:t>
+            </a:r>
+            <a:r>
+              <a:rPr lang="en-US" sz="4000" dirty="0" smtClean="0">
+                <a:latin typeface="Calibri" charset="0"/>
+              </a:rPr>
+              <a:t> </a:t>
+            </a:r>
+            <a:r>
+              <a:rPr lang="en-US" sz="4000" dirty="0" err="1" smtClean="0">
+                <a:latin typeface="Calibri" charset="0"/>
+              </a:rPr>
+              <a:t>ý</a:t>
+            </a:r>
+            <a:r>
+              <a:rPr lang="en-US" sz="4000" dirty="0" smtClean="0">
+                <a:latin typeface="Calibri" charset="0"/>
+              </a:rPr>
+              <a:t> </a:t>
+            </a:r>
+            <a:r>
+              <a:rPr lang="en-US" sz="4000" dirty="0" err="1" smtClean="0">
+                <a:latin typeface="Calibri" charset="0"/>
+              </a:rPr>
+              <a:t>chính</a:t>
+            </a:r>
+            <a:endParaRPr lang="en-US" sz="4000" dirty="0">
+              <a:latin typeface="Calibri" charset="0"/>
+            </a:endParaRPr>
+          </a:p>
+          <a:p>
+            <a:r>
+              <a:rPr lang="en-US" sz="4000" dirty="0" err="1" smtClean="0">
+                <a:latin typeface="Calibri" charset="0"/>
+              </a:rPr>
+              <a:t>Đề</a:t>
+            </a:r>
+            <a:r>
+              <a:rPr lang="en-US" sz="4000" dirty="0" smtClean="0">
+                <a:latin typeface="Calibri" charset="0"/>
+              </a:rPr>
+              <a:t> </a:t>
+            </a:r>
+            <a:r>
+              <a:rPr lang="en-US" sz="4000" dirty="0" err="1" smtClean="0">
+                <a:latin typeface="Calibri" charset="0"/>
+              </a:rPr>
+              <a:t>xuất</a:t>
+            </a:r>
+            <a:r>
+              <a:rPr lang="en-US" sz="4000" dirty="0" smtClean="0">
+                <a:latin typeface="Calibri" charset="0"/>
+              </a:rPr>
+              <a:t> </a:t>
+            </a:r>
+            <a:r>
+              <a:rPr lang="en-US" sz="4000" dirty="0" err="1" smtClean="0">
+                <a:latin typeface="Calibri" charset="0"/>
+              </a:rPr>
+              <a:t>các</a:t>
+            </a:r>
+            <a:r>
+              <a:rPr lang="en-US" sz="4000" dirty="0" smtClean="0">
+                <a:latin typeface="Calibri" charset="0"/>
+              </a:rPr>
+              <a:t> </a:t>
+            </a:r>
+            <a:r>
+              <a:rPr lang="en-US" sz="4000" dirty="0" err="1" smtClean="0">
+                <a:latin typeface="Calibri" charset="0"/>
+              </a:rPr>
+              <a:t>nội</a:t>
+            </a:r>
+            <a:r>
+              <a:rPr lang="en-US" sz="4000" dirty="0" smtClean="0">
+                <a:latin typeface="Calibri" charset="0"/>
+              </a:rPr>
+              <a:t> dung </a:t>
+            </a:r>
+            <a:r>
+              <a:rPr lang="en-US" sz="4000" dirty="0" err="1" smtClean="0">
+                <a:latin typeface="Calibri" charset="0"/>
+              </a:rPr>
+              <a:t>tiếp</a:t>
+            </a:r>
+            <a:r>
+              <a:rPr lang="en-US" sz="4000" dirty="0" smtClean="0">
+                <a:latin typeface="Calibri" charset="0"/>
+              </a:rPr>
+              <a:t> </a:t>
+            </a:r>
+            <a:r>
+              <a:rPr lang="en-US" sz="4000" dirty="0" err="1" smtClean="0">
+                <a:latin typeface="Calibri" charset="0"/>
+              </a:rPr>
+              <a:t>theo</a:t>
+            </a:r>
+            <a:endParaRPr lang="en-US" sz="4000" dirty="0" smtClean="0">
+              <a:latin typeface="Calibri" charset="0"/>
+            </a:endParaRPr>
+          </a:p>
+          <a:p>
+            <a:r>
+              <a:rPr lang="is-IS" sz="4000" dirty="0" smtClean="0">
+                <a:latin typeface="Calibri" charset="0"/>
+              </a:rPr>
+              <a:t>…</a:t>
+            </a:r>
+            <a:endParaRPr lang="en-US" dirty="0">
+              <a:latin typeface="Calibri" charset="0"/>
+            </a:endParaRPr>
+          </a:p>
+          <a:p>
+            <a:pPr lvl="1"/>
+            <a:endParaRPr lang="en-US" dirty="0">
+              <a:latin typeface="Calibri" charset="0"/>
+            </a:endParaRPr>
+          </a:p>
+          <a:p>
+            <a:pPr>
+              <a:buFont typeface="Wingdings" charset="0"/>
+              <a:buNone/>
+            </a:pPr>
+            <a:endParaRPr lang="en-US" sz="1400" dirty="0">
+              <a:latin typeface="Calibri" charset="0"/>
+            </a:endParaRPr>
+          </a:p>
+          <a:p>
+            <a:endParaRPr lang="en-US" sz="1400" dirty="0">
+              <a:latin typeface="Calibri" charset="0"/>
+            </a:endParaRPr>
+          </a:p>
+        </p:txBody>
+      </p:sp>
+    </p:spTree>
+    <p:extLst>
+      <p:ext uri="{BB962C8B-B14F-4D97-AF65-F5344CB8AC3E}">
+        <p14:creationId xmlns:p14="http://schemas.microsoft.com/office/powerpoint/2010/main" val="1809133992"/>
+      </p:ext>
+    </p:extLst>
+  </p:cSld>
+  <p:clrMapOvr>
+    <a:masterClrMapping/>
+  </p:clrMapOvr>
+  <mc:AlternateContent xmlns:mc="http://schemas.openxmlformats.org/markup-compatibility/2006" xmlns:p14="http://schemas.microsoft.com/office/powerpoint/2010/main">
+    <mc:Choice Requires="p14">
+      <p:transition p14:dur="100">
+        <p:cut/>
+      </p:transition>
+    </mc:Choice>
+    <mc:Fallback xmlns="">
+      <p:transition xmlns:p14="http://schemas.microsoft.com/office/powerpoint/2010/main">
+        <p:cut/>
+      </p:transition>
+    </mc:Fallback>
+  </mc:AlternateContent>
+  <p:timing>
+    <p:tnLst>
+      <p:par>
+        <p:cTn id="1" dur="indefinite" restart="never" nodeType="tmRoot">
+          <p:childTnLst>
+            <p:seq concurrent="1" nextAc="seek">
+              <p:cTn id="2" dur="indefinite" nodeType="mainSeq">
+                <p:childTnLst>
+                  <p:par>
+                    <p:cTn id="3" fill="hold">
+                      <p:stCondLst>
+                        <p:cond delay="indefinite"/>
+                      </p:stCondLst>
+                      <p:childTnLst>
+                        <p:par>
+                          <p:cTn id="4" fill="hold">
+                            <p:stCondLst>
+                              <p:cond delay="0"/>
+                            </p:stCondLst>
+                            <p:childTnLst>
+                              <p:par>
+                                <p:cTn id="5" presetID="14" presetClass="entr" presetSubtype="10" fill="hold" nodeType="clickEffect">
+                                  <p:stCondLst>
+                                    <p:cond delay="0"/>
+                                  </p:stCondLst>
+                                  <p:childTnLst>
+                                    <p:set>
+                                      <p:cBhvr>
+                                        <p:cTn id="6" dur="1" fill="hold">
+                                          <p:stCondLst>
+                                            <p:cond delay="0"/>
+                                          </p:stCondLst>
+                                        </p:cTn>
+                                        <p:tgtEl>
+                                          <p:spTgt spid="5">
+                                            <p:txEl>
+                                              <p:pRg st="0" end="0"/>
+                                            </p:txEl>
+                                          </p:spTgt>
+                                        </p:tgtEl>
+                                        <p:attrNameLst>
+                                          <p:attrName>style.visibility</p:attrName>
+                                        </p:attrNameLst>
+                                      </p:cBhvr>
+                                      <p:to>
+                                        <p:strVal val="visible"/>
+                                      </p:to>
+                                    </p:set>
+                                    <p:animEffect transition="in" filter="randombar(horizontal)">
+                                      <p:cBhvr>
+                                        <p:cTn id="7" dur="500"/>
+                                        <p:tgtEl>
+                                          <p:spTgt spid="5">
+                                            <p:txEl>
+                                              <p:pRg st="0" end="0"/>
+                                            </p:txEl>
+                                          </p:spTgt>
+                                        </p:tgtEl>
+                                      </p:cBhvr>
+                                    </p:animEffect>
+                                  </p:childTnLst>
+                                </p:cTn>
+                              </p:par>
+                            </p:childTnLst>
+                          </p:cTn>
+                        </p:par>
+                      </p:childTnLst>
+                    </p:cTn>
+                  </p:par>
+                  <p:par>
+                    <p:cTn id="8" fill="hold">
+                      <p:stCondLst>
+                        <p:cond delay="indefinite"/>
+                      </p:stCondLst>
+                      <p:childTnLst>
+                        <p:par>
+                          <p:cTn id="9" fill="hold">
+                            <p:stCondLst>
+                              <p:cond delay="0"/>
+                            </p:stCondLst>
+                            <p:childTnLst>
+                              <p:par>
+                                <p:cTn id="10" presetID="14" presetClass="entr" presetSubtype="10" fill="hold" nodeType="clickEffect">
+                                  <p:stCondLst>
+                                    <p:cond delay="0"/>
+                                  </p:stCondLst>
+                                  <p:childTnLst>
+                                    <p:set>
+                                      <p:cBhvr>
+                                        <p:cTn id="11" dur="1" fill="hold">
+                                          <p:stCondLst>
+                                            <p:cond delay="0"/>
+                                          </p:stCondLst>
+                                        </p:cTn>
+                                        <p:tgtEl>
+                                          <p:spTgt spid="5">
+                                            <p:txEl>
+                                              <p:pRg st="1" end="1"/>
+                                            </p:txEl>
+                                          </p:spTgt>
+                                        </p:tgtEl>
+                                        <p:attrNameLst>
+                                          <p:attrName>style.visibility</p:attrName>
+                                        </p:attrNameLst>
+                                      </p:cBhvr>
+                                      <p:to>
+                                        <p:strVal val="visible"/>
+                                      </p:to>
+                                    </p:set>
+                                    <p:animEffect transition="in" filter="randombar(horizontal)">
+                                      <p:cBhvr>
+                                        <p:cTn id="12" dur="500"/>
+                                        <p:tgtEl>
+                                          <p:spTgt spid="5">
+                                            <p:txEl>
+                                              <p:pRg st="1" end="1"/>
+                                            </p:txEl>
+                                          </p:spTgt>
+                                        </p:tgtEl>
+                                      </p:cBhvr>
+                                    </p:animEffect>
+                                  </p:childTnLst>
+                                </p:cTn>
+                              </p:par>
+                            </p:childTnLst>
+                          </p:cTn>
+                        </p:par>
+                      </p:childTnLst>
+                    </p:cTn>
+                  </p:par>
+                  <p:par>
+                    <p:cTn id="13" fill="hold">
+                      <p:stCondLst>
+                        <p:cond delay="indefinite"/>
+                      </p:stCondLst>
+                      <p:childTnLst>
+                        <p:par>
+                          <p:cTn id="14" fill="hold">
+                            <p:stCondLst>
+                              <p:cond delay="0"/>
+                            </p:stCondLst>
+                            <p:childTnLst>
+                              <p:par>
+                                <p:cTn id="15" presetID="14" presetClass="entr" presetSubtype="10" fill="hold" nodeType="clickEffect">
+                                  <p:stCondLst>
+                                    <p:cond delay="0"/>
+                                  </p:stCondLst>
+                                  <p:childTnLst>
+                                    <p:set>
+                                      <p:cBhvr>
+                                        <p:cTn id="16" dur="1" fill="hold">
+                                          <p:stCondLst>
+                                            <p:cond delay="0"/>
+                                          </p:stCondLst>
+                                        </p:cTn>
+                                        <p:tgtEl>
+                                          <p:spTgt spid="5">
+                                            <p:txEl>
+                                              <p:pRg st="2" end="2"/>
+                                            </p:txEl>
+                                          </p:spTgt>
+                                        </p:tgtEl>
+                                        <p:attrNameLst>
+                                          <p:attrName>style.visibility</p:attrName>
+                                        </p:attrNameLst>
+                                      </p:cBhvr>
+                                      <p:to>
+                                        <p:strVal val="visible"/>
+                                      </p:to>
+                                    </p:set>
+                                    <p:animEffect transition="in" filter="randombar(horizontal)">
+                                      <p:cBhvr>
+                                        <p:cTn id="17" dur="500"/>
+                                        <p:tgtEl>
+                                          <p:spTgt spid="5">
+                                            <p:txEl>
+                                              <p:pRg st="2" end="2"/>
+                                            </p:txEl>
+                                          </p:spTgt>
+                                        </p:tgtEl>
+                                      </p:cBhvr>
+                                    </p:animEffect>
+                                  </p:childTnLst>
+                                </p:cTn>
+                              </p:par>
+                            </p:childTnLst>
+                          </p:cTn>
+                        </p:par>
+                      </p:childTnLst>
+                    </p:cTn>
+                  </p:par>
+                </p:childTnLst>
+              </p:cTn>
+              <p:prevCondLst>
+                <p:cond evt="onPrev" delay="0">
+                  <p:tgtEl>
+                    <p:sldTgt/>
+                  </p:tgtEl>
+                </p:cond>
+              </p:prevCondLst>
+              <p:nextCondLst>
+                <p:cond evt="onNext" delay="0">
+                  <p:tgtEl>
+                    <p:sldTgt/>
+                  </p:tgtEl>
+                </p:cond>
+              </p:nextCondLst>
+            </p:seq>
+          </p:childTnLst>
+        </p:cTn>
+      </p:par>
+    </p:tnLst>
+  </p:timing>
+</p:sld>
+</file>
+
+<file path=ppt/slides/slide12.xml><?xml version="1.0" encoding="utf-8"?>
+<p:sld xmlns:a="http://schemas.openxmlformats.org/drawingml/2006/main" xmlns:r="http://schemas.openxmlformats.org/officeDocument/2006/relationships" xmlns:p="http://schemas.openxmlformats.org/presentationml/2006/main">
+  <p:cSld>
+    <p:spTree>
+      <p:nvGrpSpPr>
+        <p:cNvPr id="1" name=""/>
+        <p:cNvGrpSpPr/>
+        <p:nvPr/>
+      </p:nvGrpSpPr>
+      <p:grpSpPr>
+        <a:xfrm>
+          <a:off x="0" y="0"/>
+          <a:ext cx="0" cy="0"/>
+          <a:chOff x="0" y="0"/>
+          <a:chExt cx="0" cy="0"/>
+        </a:xfrm>
+      </p:grpSpPr>
+      <p:sp>
+        <p:nvSpPr>
+          <p:cNvPr id="8193" name="Rectangle 2"/>
+          <p:cNvSpPr>
+            <a:spLocks noGrp="1" noChangeArrowheads="1"/>
+          </p:cNvSpPr>
+          <p:nvPr>
+            <p:ph type="title"/>
+          </p:nvPr>
+        </p:nvSpPr>
+        <p:spPr>
+          <a:xfrm>
+            <a:off x="457200" y="512223"/>
+            <a:ext cx="8229600" cy="739014"/>
+          </a:xfrm>
+        </p:spPr>
+        <p:txBody>
+          <a:bodyPr/>
+          <a:lstStyle/>
+          <a:p>
+            <a:r>
+              <a:rPr lang="en-US" dirty="0" smtClean="0">
+                <a:latin typeface="Avenir Medium"/>
+                <a:cs typeface="Avenir Medium"/>
+              </a:rPr>
+              <a:t>REFERENCES</a:t>
+            </a:r>
+            <a:endParaRPr lang="en-US" dirty="0">
+              <a:latin typeface="Avenir Medium"/>
+              <a:cs typeface="Avenir Medium"/>
+            </a:endParaRPr>
+          </a:p>
+        </p:txBody>
+      </p:sp>
+      <p:sp>
+        <p:nvSpPr>
+          <p:cNvPr id="5" name="Rectangle 3"/>
+          <p:cNvSpPr>
+            <a:spLocks noGrp="1" noChangeArrowheads="1"/>
+          </p:cNvSpPr>
+          <p:nvPr>
+            <p:ph idx="1"/>
+          </p:nvPr>
+        </p:nvSpPr>
+        <p:spPr>
+          <a:xfrm>
+            <a:off x="457200" y="1425009"/>
+            <a:ext cx="8229600" cy="4940266"/>
+          </a:xfrm>
+        </p:spPr>
+        <p:txBody>
+          <a:bodyPr/>
+          <a:lstStyle/>
+          <a:p>
+            <a:r>
+              <a:rPr lang="en-US" sz="4000" dirty="0" smtClean="0">
+                <a:latin typeface="Calibri" charset="0"/>
+                <a:hlinkClick r:id="rId2"/>
+              </a:rPr>
+              <a:t>www.qsoftvietnam.com</a:t>
+            </a:r>
+            <a:r>
+              <a:rPr lang="en-US" sz="4000" dirty="0" smtClean="0">
+                <a:latin typeface="Calibri" charset="0"/>
+              </a:rPr>
+              <a:t> </a:t>
+            </a:r>
+            <a:endParaRPr lang="en-US" sz="4000" dirty="0">
+              <a:latin typeface="Calibri" charset="0"/>
+            </a:endParaRPr>
+          </a:p>
+          <a:p>
+            <a:r>
+              <a:rPr lang="en-US" sz="4000" dirty="0" smtClean="0">
+                <a:latin typeface="Calibri" charset="0"/>
+                <a:hlinkClick r:id="rId2"/>
+              </a:rPr>
+              <a:t>www.qsoftvietnam.com</a:t>
+            </a:r>
+            <a:r>
+              <a:rPr lang="en-US" sz="4000" dirty="0" smtClean="0">
+                <a:latin typeface="Calibri" charset="0"/>
+              </a:rPr>
+              <a:t> </a:t>
+            </a:r>
+          </a:p>
+          <a:p>
+            <a:r>
+              <a:rPr lang="is-IS" sz="4000" dirty="0" smtClean="0">
+                <a:latin typeface="Calibri" charset="0"/>
+              </a:rPr>
+              <a:t>…</a:t>
+            </a:r>
+            <a:endParaRPr lang="en-US" dirty="0">
+              <a:latin typeface="Calibri" charset="0"/>
+            </a:endParaRPr>
+          </a:p>
+          <a:p>
+            <a:pPr>
+              <a:buFont typeface="Wingdings" charset="0"/>
+              <a:buNone/>
+            </a:pPr>
+            <a:endParaRPr lang="en-US" sz="1400" dirty="0">
+              <a:latin typeface="Calibri" charset="0"/>
+            </a:endParaRPr>
+          </a:p>
+          <a:p>
+            <a:endParaRPr lang="en-US" sz="1400" dirty="0">
+              <a:latin typeface="Calibri" charset="0"/>
+            </a:endParaRPr>
+          </a:p>
+        </p:txBody>
+      </p:sp>
+    </p:spTree>
+    <p:extLst>
+      <p:ext uri="{BB962C8B-B14F-4D97-AF65-F5344CB8AC3E}">
+        <p14:creationId xmlns:p14="http://schemas.microsoft.com/office/powerpoint/2010/main" val="4110405133"/>
+      </p:ext>
+    </p:extLst>
+  </p:cSld>
+  <p:clrMapOvr>
+    <a:masterClrMapping/>
+  </p:clrMapOvr>
+  <mc:AlternateContent xmlns:mc="http://schemas.openxmlformats.org/markup-compatibility/2006" xmlns:p14="http://schemas.microsoft.com/office/powerpoint/2010/main">
+    <mc:Choice Requires="p14">
+      <p:transition p14:dur="100">
+        <p:cut/>
+      </p:transition>
+    </mc:Choice>
+    <mc:Fallback xmlns="">
+      <p:transition xmlns:p14="http://schemas.microsoft.com/office/powerpoint/2010/main">
+        <p:cut/>
+      </p:transition>
+    </mc:Fallback>
+  </mc:AlternateContent>
+  <p:timing>
+    <p:tnLst>
+      <p:par>
+        <p:cTn id="1" dur="indefinite" restart="never" nodeType="tmRoot">
+          <p:childTnLst>
+            <p:seq concurrent="1" nextAc="seek">
+              <p:cTn id="2" dur="indefinite" nodeType="mainSeq">
+                <p:childTnLst>
+                  <p:par>
+                    <p:cTn id="3" fill="hold">
+                      <p:stCondLst>
+                        <p:cond delay="indefinite"/>
+                      </p:stCondLst>
+                      <p:childTnLst>
+                        <p:par>
+                          <p:cTn id="4" fill="hold">
+                            <p:stCondLst>
+                              <p:cond delay="0"/>
+                            </p:stCondLst>
+                            <p:childTnLst>
+                              <p:par>
+                                <p:cTn id="5" presetID="14" presetClass="entr" presetSubtype="10" fill="hold" nodeType="clickEffect">
+                                  <p:stCondLst>
+                                    <p:cond delay="0"/>
+                                  </p:stCondLst>
+                                  <p:childTnLst>
+                                    <p:set>
+                                      <p:cBhvr>
+                                        <p:cTn id="6" dur="1" fill="hold">
+                                          <p:stCondLst>
+                                            <p:cond delay="0"/>
+                                          </p:stCondLst>
+                                        </p:cTn>
+                                        <p:tgtEl>
+                                          <p:spTgt spid="5">
+                                            <p:txEl>
+                                              <p:pRg st="0" end="0"/>
+                                            </p:txEl>
+                                          </p:spTgt>
+                                        </p:tgtEl>
+                                        <p:attrNameLst>
+                                          <p:attrName>style.visibility</p:attrName>
+                                        </p:attrNameLst>
+                                      </p:cBhvr>
+                                      <p:to>
+                                        <p:strVal val="visible"/>
+                                      </p:to>
+                                    </p:set>
+                                    <p:animEffect transition="in" filter="randombar(horizontal)">
+                                      <p:cBhvr>
+                                        <p:cTn id="7" dur="500"/>
+                                        <p:tgtEl>
+                                          <p:spTgt spid="5">
+                                            <p:txEl>
+                                              <p:pRg st="0" end="0"/>
+                                            </p:txEl>
+                                          </p:spTgt>
+                                        </p:tgtEl>
+                                      </p:cBhvr>
+                                    </p:animEffect>
+                                  </p:childTnLst>
+                                </p:cTn>
+                              </p:par>
+                            </p:childTnLst>
+                          </p:cTn>
+                        </p:par>
+                      </p:childTnLst>
+                    </p:cTn>
+                  </p:par>
+                </p:childTnLst>
+              </p:cTn>
+              <p:prevCondLst>
+                <p:cond evt="onPrev" delay="0">
+                  <p:tgtEl>
+                    <p:sldTgt/>
+                  </p:tgtEl>
+                </p:cond>
+              </p:prevCondLst>
+              <p:nextCondLst>
+                <p:cond evt="onNext" delay="0">
+                  <p:tgtEl>
+                    <p:sldTgt/>
+                  </p:tgtEl>
+                </p:cond>
+              </p:nextCondLst>
+            </p:seq>
+          </p:childTnLst>
+        </p:cTn>
+      </p:par>
+    </p:tnLst>
+  </p:timing>
+</p:sld>
+</file>
+
+<file path=ppt/slides/slide13.xml><?xml version="1.0" encoding="utf-8"?>
+<p:sld xmlns:a="http://schemas.openxmlformats.org/drawingml/2006/main" xmlns:r="http://schemas.openxmlformats.org/officeDocument/2006/relationships" xmlns:p="http://schemas.openxmlformats.org/presentationml/2006/main">
+  <p:cSld>
+    <p:spTree>
+      <p:nvGrpSpPr>
+        <p:cNvPr id="1" name=""/>
+        <p:cNvGrpSpPr/>
+        <p:nvPr/>
+      </p:nvGrpSpPr>
+      <p:grpSpPr>
+        <a:xfrm>
+          <a:off x="0" y="0"/>
+          <a:ext cx="0" cy="0"/>
+          <a:chOff x="0" y="0"/>
+          <a:chExt cx="0" cy="0"/>
+        </a:xfrm>
+      </p:grpSpPr>
+      <p:pic>
+        <p:nvPicPr>
+          <p:cNvPr id="7" name="Picture 6"/>
+          <p:cNvPicPr>
+            <a:picLocks noChangeAspect="1"/>
+          </p:cNvPicPr>
+          <p:nvPr/>
+        </p:nvPicPr>
+        <p:blipFill>
+          <a:blip r:embed="rId2"/>
+          <a:stretch>
+            <a:fillRect/>
+          </a:stretch>
+        </p:blipFill>
+        <p:spPr>
+          <a:xfrm>
+            <a:off x="508000" y="1397000"/>
+            <a:ext cx="8128000" cy="4064000"/>
+          </a:xfrm>
+          <a:prstGeom prst="rect">
+            <a:avLst/>
+          </a:prstGeom>
+        </p:spPr>
+      </p:pic>
+    </p:spTree>
+    <p:extLst>
+      <p:ext uri="{BB962C8B-B14F-4D97-AF65-F5344CB8AC3E}">
+        <p14:creationId xmlns:p14="http://schemas.microsoft.com/office/powerpoint/2010/main" val="2972145195"/>
+      </p:ext>
+    </p:extLst>
+  </p:cSld>
+  <p:clrMapOvr>
+    <a:masterClrMapping/>
+  </p:clrMapOvr>
+  <mc:AlternateContent xmlns:mc="http://schemas.openxmlformats.org/markup-compatibility/2006" xmlns:p14="http://schemas.microsoft.com/office/powerpoint/2010/main">
+    <mc:Choice Requires="p14">
+      <p:transition p14:dur="100">
+        <p:cut/>
+      </p:transition>
+    </mc:Choice>
+    <mc:Fallback xmlns="">
+      <p:transition>
+        <p:cut/>
+      </p:transition>
+    </mc:Fallback>
+  </mc:AlternateContent>
+  <p:timing>
+    <p:tnLst>
+      <p:par>
+        <p:cTn id="1" dur="indefinite" restart="never" nodeType="tmRoot"/>
+      </p:par>
+    </p:tnLst>
+  </p:timing>
+</p:sld>
+</file>
+
+<file path=ppt/slides/slide14.xml><?xml version="1.0" encoding="utf-8"?>
+<p:sld xmlns:a="http://schemas.openxmlformats.org/drawingml/2006/main" xmlns:r="http://schemas.openxmlformats.org/officeDocument/2006/relationships" xmlns:p="http://schemas.openxmlformats.org/presentationml/2006/main">
+  <p:cSld>
+    <p:spTree>
+      <p:nvGrpSpPr>
+        <p:cNvPr id="1" name=""/>
+        <p:cNvGrpSpPr/>
+        <p:nvPr/>
+      </p:nvGrpSpPr>
+      <p:grpSpPr>
+        <a:xfrm>
+          <a:off x="0" y="0"/>
+          <a:ext cx="0" cy="0"/>
+          <a:chOff x="0" y="0"/>
+          <a:chExt cx="0" cy="0"/>
+        </a:xfrm>
+      </p:grpSpPr>
+      <p:sp>
+        <p:nvSpPr>
+          <p:cNvPr id="2" name="Title 1"/>
+          <p:cNvSpPr>
+            <a:spLocks noGrp="1"/>
+          </p:cNvSpPr>
+          <p:nvPr>
+            <p:ph type="ctrTitle"/>
+          </p:nvPr>
+        </p:nvSpPr>
+        <p:spPr>
+          <a:xfrm>
+            <a:off x="685800" y="2464656"/>
+            <a:ext cx="7772400" cy="1470025"/>
+          </a:xfrm>
+        </p:spPr>
+        <p:txBody>
+          <a:bodyPr>
+            <a:noAutofit/>
+          </a:bodyPr>
+          <a:lstStyle/>
+          <a:p>
+            <a:pPr fontAlgn="auto">
+              <a:spcAft>
+                <a:spcPts val="0"/>
+              </a:spcAft>
+              <a:defRPr/>
+            </a:pPr>
+            <a:r>
+              <a:rPr lang="en-US" sz="6000" b="1" dirty="0">
+                <a:solidFill>
+                  <a:schemeClr val="accent6">
+                    <a:lumMod val="75000"/>
+                  </a:schemeClr>
+                </a:solidFill>
+                <a:latin typeface="Constantia" pitchFamily="18" charset="0"/>
+              </a:rPr>
+              <a:t>THANK </a:t>
+            </a:r>
+            <a:r>
+              <a:rPr lang="en-US" sz="6000" b="1" dirty="0" smtClean="0">
+                <a:solidFill>
+                  <a:schemeClr val="accent6">
+                    <a:lumMod val="75000"/>
+                  </a:schemeClr>
+                </a:solidFill>
+                <a:latin typeface="Constantia" pitchFamily="18" charset="0"/>
+              </a:rPr>
+              <a:t>YOU!</a:t>
+            </a:r>
+            <a:endParaRPr lang="en-US" sz="6000" b="1" dirty="0">
+              <a:solidFill>
+                <a:schemeClr val="accent6">
+                  <a:lumMod val="75000"/>
+                </a:schemeClr>
+              </a:solidFill>
+              <a:latin typeface="Constantia" pitchFamily="18" charset="0"/>
+            </a:endParaRPr>
+          </a:p>
+        </p:txBody>
+      </p:sp>
+    </p:spTree>
+    <p:extLst>
+      <p:ext uri="{BB962C8B-B14F-4D97-AF65-F5344CB8AC3E}">
+        <p14:creationId xmlns:p14="http://schemas.microsoft.com/office/powerpoint/2010/main" val="3137979333"/>
+      </p:ext>
+    </p:extLst>
+  </p:cSld>
+  <p:clrMapOvr>
+    <a:masterClrMapping/>
+  </p:clrMapOvr>
+  <mc:AlternateContent xmlns:mc="http://schemas.openxmlformats.org/markup-compatibility/2006" xmlns:p14="http://schemas.microsoft.com/office/powerpoint/2010/main">
+    <mc:Choice Requires="p14">
+      <p:transition p14:dur="100">
+        <p:cut/>
+      </p:transition>
+    </mc:Choice>
+    <mc:Fallback xmlns="">
+      <p:transition>
+        <p:cut/>
+      </p:transition>
+    </mc:Fallback>
+  </mc:AlternateContent>
+  <p:timing>
+    <p:tnLst>
+      <p:par>
+        <p:cTn id="1" dur="indefinite" restart="never" nodeType="tmRoot"/>
+      </p:par>
+    </p:tnLst>
+  </p:timing>
+</p:sld>
+</file>
+
 <file path=ppt/slides/slide2.xml><?xml version="1.0" encoding="utf-8"?>
 <p:sld xmlns:a="http://schemas.openxmlformats.org/drawingml/2006/main" xmlns:r="http://schemas.openxmlformats.org/officeDocument/2006/relationships" xmlns:p="http://schemas.openxmlformats.org/presentationml/2006/main">
   <p:cSld>
@@ -4525,9 +5958,6 @@
               </a:rPr>
               <a:t>JQUERY INTRODUCTION</a:t>
             </a:r>
-            <a:endParaRPr lang="en-US" sz="3600" dirty="0" smtClean="0">
-              <a:latin typeface="Calibri" charset="0"/>
-            </a:endParaRPr>
           </a:p>
           <a:p>
             <a:r>
@@ -4680,7 +6110,14 @@
                 <a:latin typeface="Avenir Medium"/>
                 <a:cs typeface="Avenir Medium"/>
               </a:rPr>
-              <a:t>JQuery</a:t>
+              <a:t>j</a:t>
+            </a:r>
+            <a:r>
+              <a:rPr lang="en-US" dirty="0" err="1" smtClean="0">
+                <a:latin typeface="Avenir Medium"/>
+                <a:cs typeface="Avenir Medium"/>
+              </a:rPr>
+              <a:t>Query</a:t>
             </a:r>
             <a:endParaRPr lang="en-US" dirty="0">
               <a:latin typeface="Avenir Medium"/>
@@ -4710,54 +6147,83 @@
           <a:lstStyle/>
           <a:p>
             <a:r>
-              <a:rPr lang="en-US" sz="4000" dirty="0" err="1" smtClean="0">
+              <a:rPr lang="en-US" sz="2600" dirty="0" smtClean="0">
+                <a:latin typeface="Calibri" charset="0"/>
+              </a:rPr>
+              <a:t>Light-</a:t>
+            </a:r>
+            <a:r>
+              <a:rPr lang="en-US" sz="2600" dirty="0" smtClean="0">
+                <a:latin typeface="Calibri" charset="0"/>
+              </a:rPr>
+              <a:t>weight </a:t>
+            </a:r>
+            <a:r>
+              <a:rPr lang="en-US" sz="2600" dirty="0" err="1" smtClean="0">
                 <a:latin typeface="Calibri" charset="0"/>
               </a:rPr>
               <a:t>Javascript</a:t>
             </a:r>
             <a:r>
-              <a:rPr lang="en-US" sz="4000" dirty="0" smtClean="0">
-                <a:latin typeface="Calibri" charset="0"/>
-              </a:rPr>
-              <a:t> Library</a:t>
-            </a:r>
-            <a:endParaRPr lang="en-US" sz="4000" dirty="0">
+              <a:rPr lang="en-US" sz="2600" dirty="0" smtClean="0">
+                <a:latin typeface="Calibri" charset="0"/>
+              </a:rPr>
+              <a:t> library (19kb minified)</a:t>
+            </a:r>
+            <a:endParaRPr lang="en-US" sz="2600" dirty="0">
               <a:latin typeface="Calibri" charset="0"/>
             </a:endParaRPr>
           </a:p>
           <a:p>
             <a:r>
-              <a:rPr lang="en-US" sz="4000" dirty="0" smtClean="0">
-                <a:latin typeface="Calibri" charset="0"/>
-              </a:rPr>
-              <a:t>Easy and fast</a:t>
-            </a:r>
-            <a:endParaRPr lang="en-US" sz="4000" dirty="0" smtClean="0">
+              <a:rPr lang="en-US" sz="2600" dirty="0" smtClean="0">
+                <a:latin typeface="Calibri" charset="0"/>
+              </a:rPr>
+              <a:t>Easy and </a:t>
+            </a:r>
+            <a:r>
+              <a:rPr lang="en-US" sz="2600" dirty="0" smtClean="0">
+                <a:latin typeface="Calibri" charset="0"/>
+              </a:rPr>
+              <a:t>fast HTML DOM selection</a:t>
+            </a:r>
+            <a:endParaRPr lang="en-US" sz="2600" dirty="0" smtClean="0">
               <a:latin typeface="Calibri" charset="0"/>
             </a:endParaRPr>
           </a:p>
           <a:p>
             <a:r>
-              <a:rPr lang="en-US" sz="4000" dirty="0">
-                <a:latin typeface="Calibri" charset="0"/>
-              </a:rPr>
-              <a:t>Simplifies the interaction between HTML and </a:t>
-            </a:r>
-            <a:r>
-              <a:rPr lang="en-US" sz="4000" dirty="0" smtClean="0">
-                <a:latin typeface="Calibri" charset="0"/>
-              </a:rPr>
-              <a:t>JavaScript</a:t>
-            </a:r>
-          </a:p>
-          <a:p>
-            <a:r>
-              <a:rPr lang="en-US" sz="4000" dirty="0" smtClean="0">
+              <a:rPr lang="en-US" sz="2600" dirty="0" smtClean="0">
                 <a:latin typeface="Calibri" charset="0"/>
               </a:rPr>
               <a:t>Open Source</a:t>
             </a:r>
-            <a:endParaRPr lang="en-US" sz="4000" dirty="0">
+          </a:p>
+          <a:p>
+            <a:r>
+              <a:rPr lang="en-US" sz="2600" dirty="0" smtClean="0">
+                <a:latin typeface="Calibri" charset="0"/>
+              </a:rPr>
+              <a:t>Work on all “modern” browsers </a:t>
+            </a:r>
+            <a:r>
+              <a:rPr lang="it-IT" sz="2600" dirty="0" smtClean="0">
+                <a:latin typeface="Calibri" charset="0"/>
+              </a:rPr>
+              <a:t>(</a:t>
+            </a:r>
+            <a:r>
+              <a:rPr lang="it-IT" sz="2600" dirty="0">
+                <a:latin typeface="Calibri" charset="0"/>
+              </a:rPr>
+              <a:t>IE6+, FF 2.0+, Safari 3.0+, Opera 9+, Chrome 1.0+) </a:t>
+            </a:r>
+            <a:endParaRPr lang="en-US" sz="2600" dirty="0" smtClean="0">
+              <a:latin typeface="Calibri" charset="0"/>
+            </a:endParaRPr>
+          </a:p>
+          <a:p>
+            <a:endParaRPr lang="en-US" sz="2600" dirty="0">
               <a:latin typeface="Calibri" charset="0"/>
             </a:endParaRPr>
           </a:p>
@@ -4788,6 +6254,47 @@
           </a:p>
         </p:txBody>
       </p:sp>
+      <p:pic>
+        <p:nvPicPr>
+          <p:cNvPr id="4" name="Picture 2" descr="C:\Users\quangson\Desktop\Web-Browser-Icon.png"/>
+          <p:cNvPicPr>
+            <a:picLocks noChangeAspect="1" noChangeArrowheads="1"/>
+          </p:cNvPicPr>
+          <p:nvPr/>
+        </p:nvPicPr>
+        <p:blipFill>
+          <a:blip r:embed="rId2">
+            <a:extLst>
+              <a:ext uri="{28A0092B-C50C-407E-A947-70E740481C1C}">
+                <a14:useLocalDpi xmlns:a14="http://schemas.microsoft.com/office/drawing/2010/main" val="0"/>
+              </a:ext>
+            </a:extLst>
+          </a:blip>
+          <a:srcRect/>
+          <a:stretch>
+            <a:fillRect/>
+          </a:stretch>
+        </p:blipFill>
+        <p:spPr bwMode="auto">
+          <a:xfrm>
+            <a:off x="584346" y="3895142"/>
+            <a:ext cx="7409583" cy="1484268"/>
+          </a:xfrm>
+          <a:prstGeom prst="rect">
+            <a:avLst/>
+          </a:prstGeom>
+          <a:noFill/>
+          <a:extLst>
+            <a:ext uri="{909E8E84-426E-40DD-AFC4-6F175D3DCCD1}">
+              <a14:hiddenFill xmlns:a14="http://schemas.microsoft.com/office/drawing/2010/main">
+                <a:solidFill>
+                  <a:srgbClr val="FFFFFF"/>
+                </a:solidFill>
+              </a14:hiddenFill>
+            </a:ext>
+          </a:extLst>
+        </p:spPr>
+      </p:pic>
     </p:spTree>
     <p:extLst>
       <p:ext uri="{BB962C8B-B14F-4D97-AF65-F5344CB8AC3E}">
@@ -5104,28 +6611,9 @@
           <a:chExt cx="0" cy="0"/>
         </a:xfrm>
       </p:grpSpPr>
-      <p:sp>
-        <p:nvSpPr>
-          <p:cNvPr id="2" name="Title 1"/>
-          <p:cNvSpPr>
-            <a:spLocks noGrp="1"/>
-          </p:cNvSpPr>
-          <p:nvPr>
-            <p:ph type="title"/>
-          </p:nvPr>
-        </p:nvSpPr>
-        <p:spPr/>
-        <p:txBody>
-          <a:bodyPr/>
-          <a:lstStyle/>
-          <a:p>
-            <a:endParaRPr lang="en-US"/>
-          </a:p>
-        </p:txBody>
-      </p:sp>
       <p:pic>
         <p:nvPicPr>
-          <p:cNvPr id="2050" name="Picture 2" descr="C:\Users\quangson\Desktop\Web-Browser-Icon.png"/>
+          <p:cNvPr id="3074" name="Picture 2" descr="C:\Users\quangson\Desktop\Internet-troll-face-explorer.png"/>
           <p:cNvPicPr>
             <a:picLocks noChangeAspect="1" noChangeArrowheads="1"/>
           </p:cNvPicPr>
@@ -5146,8 +6634,8 @@
         </p:blipFill>
         <p:spPr bwMode="auto">
           <a:xfrm>
-            <a:off x="69850" y="3429000"/>
-            <a:ext cx="9002713" cy="1803400"/>
+            <a:off x="457200" y="1513518"/>
+            <a:ext cx="4467225" cy="4286250"/>
           </a:xfrm>
           <a:prstGeom prst="rect">
             <a:avLst/>
@@ -5164,10 +6652,367 @@
           </a:extLst>
         </p:spPr>
       </p:pic>
+      <p:sp>
+        <p:nvSpPr>
+          <p:cNvPr id="4" name="Rectangle 2"/>
+          <p:cNvSpPr txBox="1">
+            <a:spLocks noChangeArrowheads="1"/>
+          </p:cNvSpPr>
+          <p:nvPr/>
+        </p:nvSpPr>
+        <p:spPr bwMode="auto">
+          <a:xfrm>
+            <a:off x="457200" y="512223"/>
+            <a:ext cx="8229600" cy="739014"/>
+          </a:xfrm>
+          <a:prstGeom prst="rect">
+            <a:avLst/>
+          </a:prstGeom>
+          <a:noFill/>
+          <a:ln w="9525">
+            <a:noFill/>
+            <a:miter lim="800000"/>
+            <a:headEnd/>
+            <a:tailEnd/>
+          </a:ln>
+        </p:spPr>
+        <p:txBody>
+          <a:bodyPr vert="horz" wrap="square" lIns="91440" tIns="45720" rIns="91440" bIns="45720" numCol="1" anchor="ctr" anchorCtr="0" compatLnSpc="1">
+            <a:prstTxWarp prst="textNoShape">
+              <a:avLst/>
+            </a:prstTxWarp>
+          </a:bodyPr>
+          <a:lstStyle>
+            <a:lvl1pPr algn="ctr" rtl="0" eaLnBrk="1" fontAlgn="base" hangingPunct="1">
+              <a:spcBef>
+                <a:spcPct val="0"/>
+              </a:spcBef>
+              <a:spcAft>
+                <a:spcPct val="0"/>
+              </a:spcAft>
+              <a:defRPr sz="4400" kern="1200">
+                <a:solidFill>
+                  <a:schemeClr val="tx1"/>
+                </a:solidFill>
+                <a:latin typeface="+mj-lt"/>
+                <a:ea typeface="+mj-ea"/>
+                <a:cs typeface="+mj-cs"/>
+              </a:defRPr>
+            </a:lvl1pPr>
+            <a:lvl2pPr algn="ctr" rtl="0" eaLnBrk="1" fontAlgn="base" hangingPunct="1">
+              <a:spcBef>
+                <a:spcPct val="0"/>
+              </a:spcBef>
+              <a:spcAft>
+                <a:spcPct val="0"/>
+              </a:spcAft>
+              <a:defRPr sz="4400">
+                <a:solidFill>
+                  <a:schemeClr val="tx1"/>
+                </a:solidFill>
+                <a:latin typeface="Arial" charset="0"/>
+              </a:defRPr>
+            </a:lvl2pPr>
+            <a:lvl3pPr algn="ctr" rtl="0" eaLnBrk="1" fontAlgn="base" hangingPunct="1">
+              <a:spcBef>
+                <a:spcPct val="0"/>
+              </a:spcBef>
+              <a:spcAft>
+                <a:spcPct val="0"/>
+              </a:spcAft>
+              <a:defRPr sz="4400">
+                <a:solidFill>
+                  <a:schemeClr val="tx1"/>
+                </a:solidFill>
+                <a:latin typeface="Arial" charset="0"/>
+              </a:defRPr>
+            </a:lvl3pPr>
+            <a:lvl4pPr algn="ctr" rtl="0" eaLnBrk="1" fontAlgn="base" hangingPunct="1">
+              <a:spcBef>
+                <a:spcPct val="0"/>
+              </a:spcBef>
+              <a:spcAft>
+                <a:spcPct val="0"/>
+              </a:spcAft>
+              <a:defRPr sz="4400">
+                <a:solidFill>
+                  <a:schemeClr val="tx1"/>
+                </a:solidFill>
+                <a:latin typeface="Arial" charset="0"/>
+              </a:defRPr>
+            </a:lvl4pPr>
+            <a:lvl5pPr algn="ctr" rtl="0" eaLnBrk="1" fontAlgn="base" hangingPunct="1">
+              <a:spcBef>
+                <a:spcPct val="0"/>
+              </a:spcBef>
+              <a:spcAft>
+                <a:spcPct val="0"/>
+              </a:spcAft>
+              <a:defRPr sz="4400">
+                <a:solidFill>
+                  <a:schemeClr val="tx1"/>
+                </a:solidFill>
+                <a:latin typeface="Arial" charset="0"/>
+              </a:defRPr>
+            </a:lvl5pPr>
+            <a:lvl6pPr marL="457200" algn="ctr" rtl="0" eaLnBrk="1" fontAlgn="base" hangingPunct="1">
+              <a:spcBef>
+                <a:spcPct val="0"/>
+              </a:spcBef>
+              <a:spcAft>
+                <a:spcPct val="0"/>
+              </a:spcAft>
+              <a:defRPr sz="4400">
+                <a:solidFill>
+                  <a:schemeClr val="tx1"/>
+                </a:solidFill>
+                <a:latin typeface="Lucida Sans" pitchFamily="34" charset="0"/>
+              </a:defRPr>
+            </a:lvl6pPr>
+            <a:lvl7pPr marL="914400" algn="ctr" rtl="0" eaLnBrk="1" fontAlgn="base" hangingPunct="1">
+              <a:spcBef>
+                <a:spcPct val="0"/>
+              </a:spcBef>
+              <a:spcAft>
+                <a:spcPct val="0"/>
+              </a:spcAft>
+              <a:defRPr sz="4400">
+                <a:solidFill>
+                  <a:schemeClr val="tx1"/>
+                </a:solidFill>
+                <a:latin typeface="Lucida Sans" pitchFamily="34" charset="0"/>
+              </a:defRPr>
+            </a:lvl7pPr>
+            <a:lvl8pPr marL="1371600" algn="ctr" rtl="0" eaLnBrk="1" fontAlgn="base" hangingPunct="1">
+              <a:spcBef>
+                <a:spcPct val="0"/>
+              </a:spcBef>
+              <a:spcAft>
+                <a:spcPct val="0"/>
+              </a:spcAft>
+              <a:defRPr sz="4400">
+                <a:solidFill>
+                  <a:schemeClr val="tx1"/>
+                </a:solidFill>
+                <a:latin typeface="Lucida Sans" pitchFamily="34" charset="0"/>
+              </a:defRPr>
+            </a:lvl8pPr>
+            <a:lvl9pPr marL="1828800" algn="ctr" rtl="0" eaLnBrk="1" fontAlgn="base" hangingPunct="1">
+              <a:spcBef>
+                <a:spcPct val="0"/>
+              </a:spcBef>
+              <a:spcAft>
+                <a:spcPct val="0"/>
+              </a:spcAft>
+              <a:defRPr sz="4400">
+                <a:solidFill>
+                  <a:schemeClr val="tx1"/>
+                </a:solidFill>
+                <a:latin typeface="Lucida Sans" pitchFamily="34" charset="0"/>
+              </a:defRPr>
+            </a:lvl9pPr>
+          </a:lstStyle>
+          <a:p>
+            <a:r>
+              <a:rPr lang="en-US" dirty="0" smtClean="0">
+                <a:latin typeface="Avenir Medium"/>
+                <a:cs typeface="Avenir Medium"/>
+              </a:rPr>
+              <a:t>What is </a:t>
+            </a:r>
+            <a:r>
+              <a:rPr lang="en-US" dirty="0" err="1" smtClean="0">
+                <a:latin typeface="Avenir Medium"/>
+                <a:cs typeface="Avenir Medium"/>
+              </a:rPr>
+              <a:t>JQuery</a:t>
+            </a:r>
+            <a:endParaRPr lang="en-US" dirty="0">
+              <a:latin typeface="Avenir Medium"/>
+              <a:cs typeface="Avenir Medium"/>
+            </a:endParaRPr>
+          </a:p>
+        </p:txBody>
+      </p:sp>
+      <p:sp>
+        <p:nvSpPr>
+          <p:cNvPr id="5" name="Rectangle 2"/>
+          <p:cNvSpPr txBox="1">
+            <a:spLocks noChangeArrowheads="1"/>
+          </p:cNvSpPr>
+          <p:nvPr/>
+        </p:nvSpPr>
+        <p:spPr bwMode="auto">
+          <a:xfrm>
+            <a:off x="2476106" y="2917629"/>
+            <a:ext cx="8229600" cy="739014"/>
+          </a:xfrm>
+          <a:prstGeom prst="rect">
+            <a:avLst/>
+          </a:prstGeom>
+          <a:noFill/>
+          <a:ln w="9525">
+            <a:noFill/>
+            <a:miter lim="800000"/>
+            <a:headEnd/>
+            <a:tailEnd/>
+          </a:ln>
+        </p:spPr>
+        <p:txBody>
+          <a:bodyPr vert="horz" wrap="square" lIns="91440" tIns="45720" rIns="91440" bIns="45720" numCol="1" anchor="ctr" anchorCtr="0" compatLnSpc="1">
+            <a:prstTxWarp prst="textNoShape">
+              <a:avLst/>
+            </a:prstTxWarp>
+          </a:bodyPr>
+          <a:lstStyle>
+            <a:lvl1pPr algn="ctr" rtl="0" eaLnBrk="1" fontAlgn="base" hangingPunct="1">
+              <a:spcBef>
+                <a:spcPct val="0"/>
+              </a:spcBef>
+              <a:spcAft>
+                <a:spcPct val="0"/>
+              </a:spcAft>
+              <a:defRPr sz="4400" kern="1200">
+                <a:solidFill>
+                  <a:schemeClr val="tx1"/>
+                </a:solidFill>
+                <a:latin typeface="+mj-lt"/>
+                <a:ea typeface="+mj-ea"/>
+                <a:cs typeface="+mj-cs"/>
+              </a:defRPr>
+            </a:lvl1pPr>
+            <a:lvl2pPr algn="ctr" rtl="0" eaLnBrk="1" fontAlgn="base" hangingPunct="1">
+              <a:spcBef>
+                <a:spcPct val="0"/>
+              </a:spcBef>
+              <a:spcAft>
+                <a:spcPct val="0"/>
+              </a:spcAft>
+              <a:defRPr sz="4400">
+                <a:solidFill>
+                  <a:schemeClr val="tx1"/>
+                </a:solidFill>
+                <a:latin typeface="Arial" charset="0"/>
+              </a:defRPr>
+            </a:lvl2pPr>
+            <a:lvl3pPr algn="ctr" rtl="0" eaLnBrk="1" fontAlgn="base" hangingPunct="1">
+              <a:spcBef>
+                <a:spcPct val="0"/>
+              </a:spcBef>
+              <a:spcAft>
+                <a:spcPct val="0"/>
+              </a:spcAft>
+              <a:defRPr sz="4400">
+                <a:solidFill>
+                  <a:schemeClr val="tx1"/>
+                </a:solidFill>
+                <a:latin typeface="Arial" charset="0"/>
+              </a:defRPr>
+            </a:lvl3pPr>
+            <a:lvl4pPr algn="ctr" rtl="0" eaLnBrk="1" fontAlgn="base" hangingPunct="1">
+              <a:spcBef>
+                <a:spcPct val="0"/>
+              </a:spcBef>
+              <a:spcAft>
+                <a:spcPct val="0"/>
+              </a:spcAft>
+              <a:defRPr sz="4400">
+                <a:solidFill>
+                  <a:schemeClr val="tx1"/>
+                </a:solidFill>
+                <a:latin typeface="Arial" charset="0"/>
+              </a:defRPr>
+            </a:lvl4pPr>
+            <a:lvl5pPr algn="ctr" rtl="0" eaLnBrk="1" fontAlgn="base" hangingPunct="1">
+              <a:spcBef>
+                <a:spcPct val="0"/>
+              </a:spcBef>
+              <a:spcAft>
+                <a:spcPct val="0"/>
+              </a:spcAft>
+              <a:defRPr sz="4400">
+                <a:solidFill>
+                  <a:schemeClr val="tx1"/>
+                </a:solidFill>
+                <a:latin typeface="Arial" charset="0"/>
+              </a:defRPr>
+            </a:lvl5pPr>
+            <a:lvl6pPr marL="457200" algn="ctr" rtl="0" eaLnBrk="1" fontAlgn="base" hangingPunct="1">
+              <a:spcBef>
+                <a:spcPct val="0"/>
+              </a:spcBef>
+              <a:spcAft>
+                <a:spcPct val="0"/>
+              </a:spcAft>
+              <a:defRPr sz="4400">
+                <a:solidFill>
+                  <a:schemeClr val="tx1"/>
+                </a:solidFill>
+                <a:latin typeface="Lucida Sans" pitchFamily="34" charset="0"/>
+              </a:defRPr>
+            </a:lvl6pPr>
+            <a:lvl7pPr marL="914400" algn="ctr" rtl="0" eaLnBrk="1" fontAlgn="base" hangingPunct="1">
+              <a:spcBef>
+                <a:spcPct val="0"/>
+              </a:spcBef>
+              <a:spcAft>
+                <a:spcPct val="0"/>
+              </a:spcAft>
+              <a:defRPr sz="4400">
+                <a:solidFill>
+                  <a:schemeClr val="tx1"/>
+                </a:solidFill>
+                <a:latin typeface="Lucida Sans" pitchFamily="34" charset="0"/>
+              </a:defRPr>
+            </a:lvl7pPr>
+            <a:lvl8pPr marL="1371600" algn="ctr" rtl="0" eaLnBrk="1" fontAlgn="base" hangingPunct="1">
+              <a:spcBef>
+                <a:spcPct val="0"/>
+              </a:spcBef>
+              <a:spcAft>
+                <a:spcPct val="0"/>
+              </a:spcAft>
+              <a:defRPr sz="4400">
+                <a:solidFill>
+                  <a:schemeClr val="tx1"/>
+                </a:solidFill>
+                <a:latin typeface="Lucida Sans" pitchFamily="34" charset="0"/>
+              </a:defRPr>
+            </a:lvl8pPr>
+            <a:lvl9pPr marL="1828800" algn="ctr" rtl="0" eaLnBrk="1" fontAlgn="base" hangingPunct="1">
+              <a:spcBef>
+                <a:spcPct val="0"/>
+              </a:spcBef>
+              <a:spcAft>
+                <a:spcPct val="0"/>
+              </a:spcAft>
+              <a:defRPr sz="4400">
+                <a:solidFill>
+                  <a:schemeClr val="tx1"/>
+                </a:solidFill>
+                <a:latin typeface="Lucida Sans" pitchFamily="34" charset="0"/>
+              </a:defRPr>
+            </a:lvl9pPr>
+          </a:lstStyle>
+          <a:p>
+            <a:r>
+              <a:rPr lang="en-US" dirty="0" smtClean="0">
+                <a:latin typeface="Avenir Medium"/>
+                <a:cs typeface="Avenir Medium"/>
+              </a:rPr>
+              <a:t>Hi, I’m IE!</a:t>
+            </a:r>
+            <a:endParaRPr lang="en-US" dirty="0">
+              <a:latin typeface="Avenir Medium"/>
+              <a:cs typeface="Avenir Medium"/>
+            </a:endParaRPr>
+          </a:p>
+        </p:txBody>
+      </p:sp>
     </p:spTree>
     <p:extLst>
       <p:ext uri="{BB962C8B-B14F-4D97-AF65-F5344CB8AC3E}">
-        <p14:creationId xmlns:p14="http://schemas.microsoft.com/office/powerpoint/2010/main" val="2783771376"/>
+        <p14:creationId xmlns:p14="http://schemas.microsoft.com/office/powerpoint/2010/main" val="3652290491"/>
       </p:ext>
     </p:extLst>
   </p:cSld>
@@ -5208,68 +7053,221 @@
       </p:grpSpPr>
       <p:sp>
         <p:nvSpPr>
-          <p:cNvPr id="2" name="Title 1"/>
+          <p:cNvPr id="8193" name="Rectangle 2"/>
           <p:cNvSpPr>
-            <a:spLocks noGrp="1"/>
+            <a:spLocks noGrp="1" noChangeArrowheads="1"/>
           </p:cNvSpPr>
           <p:nvPr>
             <p:ph type="title"/>
           </p:nvPr>
         </p:nvSpPr>
-        <p:spPr/>
+        <p:spPr>
+          <a:xfrm>
+            <a:off x="457200" y="512223"/>
+            <a:ext cx="8229600" cy="739014"/>
+          </a:xfrm>
+        </p:spPr>
         <p:txBody>
           <a:bodyPr/>
           <a:lstStyle/>
           <a:p>
-            <a:endParaRPr lang="en-US"/>
-          </a:p>
-        </p:txBody>
-      </p:sp>
-      <p:pic>
-        <p:nvPicPr>
-          <p:cNvPr id="3074" name="Picture 2" descr="C:\Users\quangson\Desktop\Internet-troll-face-explorer.png"/>
-          <p:cNvPicPr>
-            <a:picLocks noChangeAspect="1" noChangeArrowheads="1"/>
-          </p:cNvPicPr>
-          <p:nvPr/>
-        </p:nvPicPr>
-        <p:blipFill>
-          <a:blip r:embed="rId2">
-            <a:extLst>
-              <a:ext uri="{28A0092B-C50C-407E-A947-70E740481C1C}">
-                <a14:useLocalDpi xmlns:a14="http://schemas.microsoft.com/office/drawing/2010/main" val="0"/>
-              </a:ext>
-            </a:extLst>
-          </a:blip>
-          <a:srcRect/>
-          <a:stretch>
-            <a:fillRect/>
-          </a:stretch>
-        </p:blipFill>
-        <p:spPr bwMode="auto">
+            <a:r>
+              <a:rPr lang="en-US" dirty="0" smtClean="0">
+                <a:latin typeface="Avenir Medium"/>
+                <a:cs typeface="Avenir Medium"/>
+              </a:rPr>
+              <a:t>Advantages of </a:t>
+            </a:r>
+            <a:r>
+              <a:rPr lang="en-US" dirty="0" err="1">
+                <a:latin typeface="Avenir Medium"/>
+                <a:cs typeface="Avenir Medium"/>
+              </a:rPr>
+              <a:t>j</a:t>
+            </a:r>
+            <a:r>
+              <a:rPr lang="en-US" dirty="0" err="1" smtClean="0">
+                <a:latin typeface="Avenir Medium"/>
+                <a:cs typeface="Avenir Medium"/>
+              </a:rPr>
+              <a:t>Query</a:t>
+            </a:r>
+            <a:endParaRPr lang="en-US" dirty="0">
+              <a:latin typeface="Avenir Medium"/>
+              <a:cs typeface="Avenir Medium"/>
+            </a:endParaRPr>
+          </a:p>
+        </p:txBody>
+      </p:sp>
+      <p:sp>
+        <p:nvSpPr>
+          <p:cNvPr id="5" name="Rectangle 3"/>
+          <p:cNvSpPr>
+            <a:spLocks noGrp="1" noChangeArrowheads="1"/>
+          </p:cNvSpPr>
+          <p:nvPr>
+            <p:ph idx="1"/>
+          </p:nvPr>
+        </p:nvSpPr>
+        <p:spPr>
           <a:xfrm>
-            <a:off x="2338387" y="1981200"/>
-            <a:ext cx="4467225" cy="4286250"/>
+            <a:off x="457200" y="1425009"/>
+            <a:ext cx="8229600" cy="4940266"/>
           </a:xfrm>
-          <a:prstGeom prst="rect">
-            <a:avLst/>
-          </a:prstGeom>
-          <a:noFill/>
-          <a:extLst>
-            <a:ext uri="{909E8E84-426E-40DD-AFC4-6F175D3DCCD1}">
-              <a14:hiddenFill xmlns:a14="http://schemas.microsoft.com/office/drawing/2010/main">
-                <a:solidFill>
-                  <a:srgbClr val="FFFFFF"/>
-                </a:solidFill>
-              </a14:hiddenFill>
-            </a:ext>
-          </a:extLst>
         </p:spPr>
-      </p:pic>
+        <p:txBody>
+          <a:bodyPr/>
+          <a:lstStyle/>
+          <a:p>
+            <a:r>
+              <a:rPr lang="en-US" sz="2600" dirty="0">
+                <a:latin typeface="Calibri" charset="0"/>
+              </a:rPr>
+              <a:t>Well documented (http://docs.jquery.com)</a:t>
+            </a:r>
+            <a:br>
+              <a:rPr lang="en-US" sz="2600" dirty="0">
+                <a:latin typeface="Calibri" charset="0"/>
+              </a:rPr>
+            </a:br>
+            <a:endParaRPr lang="en-US" sz="2600" dirty="0">
+              <a:latin typeface="Calibri" charset="0"/>
+            </a:endParaRPr>
+          </a:p>
+          <a:p>
+            <a:r>
+              <a:rPr lang="en-US" sz="2600" dirty="0" smtClean="0">
+                <a:latin typeface="Calibri" charset="0"/>
+              </a:rPr>
+              <a:t>Huge community </a:t>
+            </a:r>
+            <a:r>
+              <a:rPr lang="en-US" sz="2600" dirty="0">
+                <a:latin typeface="Calibri" charset="0"/>
+              </a:rPr>
+              <a:t>of developers</a:t>
+            </a:r>
+          </a:p>
+          <a:p>
+            <a:pPr lvl="1"/>
+            <a:r>
+              <a:rPr lang="en-US" sz="2200" dirty="0" smtClean="0">
+                <a:latin typeface="Calibri" charset="0"/>
+              </a:rPr>
+              <a:t>Blogs, Twitter, Online Tutorials, Books, Conferences, Classes</a:t>
+            </a:r>
+            <a:endParaRPr lang="en-US" sz="2200" dirty="0">
+              <a:latin typeface="Calibri" charset="0"/>
+            </a:endParaRPr>
+          </a:p>
+          <a:p>
+            <a:r>
+              <a:rPr lang="en-US" sz="2600" dirty="0" err="1">
+                <a:latin typeface="Calibri" charset="0"/>
+              </a:rPr>
+              <a:t>jQuery</a:t>
+            </a:r>
+            <a:r>
+              <a:rPr lang="en-US" sz="2600" dirty="0">
+                <a:latin typeface="Calibri" charset="0"/>
+              </a:rPr>
+              <a:t> is Extensible</a:t>
+            </a:r>
+          </a:p>
+          <a:p>
+            <a:pPr lvl="1"/>
+            <a:r>
+              <a:rPr lang="en-US" sz="2200" dirty="0">
+                <a:latin typeface="Calibri" charset="0"/>
+              </a:rPr>
+              <a:t>Create/release your own plugins</a:t>
+            </a:r>
+          </a:p>
+          <a:p>
+            <a:pPr lvl="1"/>
+            <a:r>
+              <a:rPr lang="en-US" sz="2200" dirty="0">
+                <a:latin typeface="Calibri" charset="0"/>
+              </a:rPr>
+              <a:t>Thousands of plugins available </a:t>
+            </a:r>
+          </a:p>
+          <a:p>
+            <a:r>
+              <a:rPr lang="en-US" sz="2600" dirty="0" err="1">
+                <a:latin typeface="Calibri" charset="0"/>
+              </a:rPr>
+              <a:t>jQuery</a:t>
+            </a:r>
+            <a:r>
+              <a:rPr lang="en-US" sz="2600" dirty="0">
+                <a:latin typeface="Calibri" charset="0"/>
+              </a:rPr>
+              <a:t> works with other libraries</a:t>
+            </a:r>
+          </a:p>
+          <a:p>
+            <a:pPr lvl="1"/>
+            <a:r>
+              <a:rPr lang="en-US" sz="2200" dirty="0" smtClean="0">
+                <a:latin typeface="Calibri" charset="0"/>
+              </a:rPr>
+              <a:t>Prototype, </a:t>
+            </a:r>
+            <a:r>
+              <a:rPr lang="en-US" sz="2200" dirty="0" err="1" smtClean="0">
+                <a:latin typeface="Calibri" charset="0"/>
+              </a:rPr>
+              <a:t>Mootools</a:t>
+            </a:r>
+            <a:endParaRPr lang="en-US" sz="2600" dirty="0" smtClean="0">
+              <a:latin typeface="Calibri" charset="0"/>
+            </a:endParaRPr>
+          </a:p>
+          <a:p>
+            <a:pPr lvl="1"/>
+            <a:r>
+              <a:rPr lang="en-US" sz="2200" dirty="0" smtClean="0">
+                <a:latin typeface="Calibri" charset="0"/>
+              </a:rPr>
+              <a:t>https</a:t>
+            </a:r>
+            <a:r>
+              <a:rPr lang="en-US" sz="2200" dirty="0">
+                <a:latin typeface="Calibri" charset="0"/>
+              </a:rPr>
+              <a:t>://learn.jquery.com/using-jquery-core/avoid-conflicts-other-libraries/</a:t>
+            </a:r>
+            <a:endParaRPr lang="en-US" sz="2200" dirty="0">
+              <a:latin typeface="Calibri" charset="0"/>
+            </a:endParaRPr>
+          </a:p>
+          <a:p>
+            <a:pPr lvl="1"/>
+            <a:endParaRPr lang="en-US" dirty="0">
+              <a:latin typeface="Calibri" charset="0"/>
+            </a:endParaRPr>
+          </a:p>
+          <a:p>
+            <a:pPr>
+              <a:buFont typeface="Wingdings" charset="0"/>
+              <a:buNone/>
+            </a:pPr>
+            <a:endParaRPr lang="en-US" sz="1400" dirty="0">
+              <a:latin typeface="Calibri" charset="0"/>
+            </a:endParaRPr>
+          </a:p>
+          <a:p>
+            <a:endParaRPr lang="en-US" sz="1400" dirty="0">
+              <a:latin typeface="Calibri" charset="0"/>
+            </a:endParaRPr>
+          </a:p>
+        </p:txBody>
+      </p:sp>
     </p:spTree>
     <p:extLst>
       <p:ext uri="{BB962C8B-B14F-4D97-AF65-F5344CB8AC3E}">
-        <p14:creationId xmlns:p14="http://schemas.microsoft.com/office/powerpoint/2010/main" val="3652290491"/>
+        <p14:creationId xmlns:p14="http://schemas.microsoft.com/office/powerpoint/2010/main" val="2147018372"/>
       </p:ext>
     </p:extLst>
   </p:cSld>
@@ -5288,6 +7286,13 @@
       </p:transition>
     </mc:Fallback>
   </mc:AlternateContent>
+  <p:timing>
+    <p:tnLst>
+      <p:par>
+        <p:cTn id="1" dur="indefinite" restart="never" nodeType="tmRoot"/>
+      </p:par>
+    </p:tnLst>
+  </p:timing>
 </p:sld>
 </file>
 
@@ -5333,7 +7338,21 @@
                 <a:latin typeface="Avenir Medium"/>
                 <a:cs typeface="Avenir Medium"/>
               </a:rPr>
-              <a:t>SUMMARIZE</a:t>
+              <a:t>Who is using </a:t>
+            </a:r>
+            <a:r>
+              <a:rPr lang="en-US" dirty="0" err="1">
+                <a:latin typeface="Avenir Medium"/>
+                <a:cs typeface="Avenir Medium"/>
+              </a:rPr>
+              <a:t>j</a:t>
+            </a:r>
+            <a:r>
+              <a:rPr lang="en-US" dirty="0" err="1" smtClean="0">
+                <a:latin typeface="Avenir Medium"/>
+                <a:cs typeface="Avenir Medium"/>
+              </a:rPr>
+              <a:t>Query</a:t>
             </a:r>
             <a:endParaRPr lang="en-US" dirty="0">
               <a:latin typeface="Avenir Medium"/>
@@ -5355,7 +7374,7 @@
         <p:spPr>
           <a:xfrm>
             <a:off x="457200" y="1425009"/>
-            <a:ext cx="8229600" cy="4940266"/>
+            <a:ext cx="2974157" cy="4940266"/>
           </a:xfrm>
         </p:spPr>
         <p:txBody>
@@ -5363,171 +7382,339 @@
           <a:lstStyle/>
           <a:p>
             <a:r>
-              <a:rPr lang="en-US" sz="4000" dirty="0" err="1" smtClean="0">
-                <a:latin typeface="Calibri" charset="0"/>
-              </a:rPr>
-              <a:t>Tổng</a:t>
-            </a:r>
-            <a:r>
-              <a:rPr lang="en-US" sz="4000" dirty="0" smtClean="0">
-                <a:latin typeface="Calibri" charset="0"/>
-              </a:rPr>
-              <a:t> </a:t>
-            </a:r>
-            <a:r>
-              <a:rPr lang="en-US" sz="4000" dirty="0" err="1" smtClean="0">
-                <a:latin typeface="Calibri" charset="0"/>
-              </a:rPr>
-              <a:t>hợp</a:t>
-            </a:r>
-            <a:r>
-              <a:rPr lang="en-US" sz="4000" dirty="0" smtClean="0">
-                <a:latin typeface="Calibri" charset="0"/>
-              </a:rPr>
-              <a:t> </a:t>
-            </a:r>
-            <a:r>
-              <a:rPr lang="en-US" sz="4000" dirty="0" err="1" smtClean="0">
-                <a:latin typeface="Calibri" charset="0"/>
-              </a:rPr>
-              <a:t>các</a:t>
-            </a:r>
-            <a:r>
-              <a:rPr lang="en-US" sz="4000" dirty="0" smtClean="0">
-                <a:latin typeface="Calibri" charset="0"/>
-              </a:rPr>
-              <a:t> </a:t>
-            </a:r>
-            <a:r>
-              <a:rPr lang="en-US" sz="4000" dirty="0" err="1" smtClean="0">
-                <a:latin typeface="Calibri" charset="0"/>
-              </a:rPr>
-              <a:t>ý</a:t>
-            </a:r>
-            <a:r>
-              <a:rPr lang="en-US" sz="4000" dirty="0" smtClean="0">
-                <a:latin typeface="Calibri" charset="0"/>
-              </a:rPr>
-              <a:t> </a:t>
-            </a:r>
-            <a:r>
-              <a:rPr lang="en-US" sz="4000" dirty="0" err="1" smtClean="0">
-                <a:latin typeface="Calibri" charset="0"/>
-              </a:rPr>
-              <a:t>chính</a:t>
-            </a:r>
-            <a:endParaRPr lang="en-US" sz="4000" dirty="0">
+              <a:rPr lang="en-US" sz="2600" dirty="0">
+                <a:latin typeface="Calibri" charset="0"/>
+              </a:rPr>
+              <a:t>Google </a:t>
+            </a:r>
+          </a:p>
+          <a:p>
+            <a:r>
+              <a:rPr lang="en-US" sz="2600" dirty="0" smtClean="0">
+                <a:latin typeface="Calibri" charset="0"/>
+              </a:rPr>
+              <a:t>Amazon</a:t>
+            </a:r>
+            <a:endParaRPr lang="en-US" sz="2600" dirty="0">
               <a:latin typeface="Calibri" charset="0"/>
             </a:endParaRPr>
           </a:p>
           <a:p>
             <a:r>
-              <a:rPr lang="en-US" sz="4000" dirty="0" err="1" smtClean="0">
-                <a:latin typeface="Calibri" charset="0"/>
-              </a:rPr>
-              <a:t>Đề</a:t>
-            </a:r>
-            <a:r>
-              <a:rPr lang="en-US" sz="4000" dirty="0" smtClean="0">
-                <a:latin typeface="Calibri" charset="0"/>
-              </a:rPr>
-              <a:t> </a:t>
-            </a:r>
-            <a:r>
-              <a:rPr lang="en-US" sz="4000" dirty="0" err="1" smtClean="0">
-                <a:latin typeface="Calibri" charset="0"/>
-              </a:rPr>
-              <a:t>xuất</a:t>
-            </a:r>
-            <a:r>
-              <a:rPr lang="en-US" sz="4000" dirty="0" smtClean="0">
-                <a:latin typeface="Calibri" charset="0"/>
-              </a:rPr>
-              <a:t> </a:t>
-            </a:r>
-            <a:r>
-              <a:rPr lang="en-US" sz="4000" dirty="0" err="1" smtClean="0">
-                <a:latin typeface="Calibri" charset="0"/>
-              </a:rPr>
-              <a:t>các</a:t>
-            </a:r>
-            <a:r>
-              <a:rPr lang="en-US" sz="4000" dirty="0" smtClean="0">
-                <a:latin typeface="Calibri" charset="0"/>
-              </a:rPr>
-              <a:t> </a:t>
-            </a:r>
-            <a:r>
-              <a:rPr lang="en-US" sz="4000" dirty="0" err="1" smtClean="0">
-                <a:latin typeface="Calibri" charset="0"/>
-              </a:rPr>
-              <a:t>nội</a:t>
-            </a:r>
-            <a:r>
-              <a:rPr lang="en-US" sz="4000" dirty="0" smtClean="0">
-                <a:latin typeface="Calibri" charset="0"/>
-              </a:rPr>
-              <a:t> dung </a:t>
-            </a:r>
-            <a:r>
-              <a:rPr lang="en-US" sz="4000" dirty="0" err="1" smtClean="0">
-                <a:latin typeface="Calibri" charset="0"/>
-              </a:rPr>
-              <a:t>tiếp</a:t>
-            </a:r>
-            <a:r>
-              <a:rPr lang="en-US" sz="4000" dirty="0" smtClean="0">
-                <a:latin typeface="Calibri" charset="0"/>
-              </a:rPr>
-              <a:t> </a:t>
-            </a:r>
-            <a:r>
-              <a:rPr lang="en-US" sz="4000" dirty="0" err="1" smtClean="0">
-                <a:latin typeface="Calibri" charset="0"/>
-              </a:rPr>
-              <a:t>theo</a:t>
-            </a:r>
-            <a:endParaRPr lang="en-US" sz="4000" dirty="0" smtClean="0">
+              <a:rPr lang="en-US" sz="2600" dirty="0" smtClean="0">
+                <a:latin typeface="Calibri" charset="0"/>
+              </a:rPr>
+              <a:t>IBM</a:t>
+            </a:r>
+            <a:endParaRPr lang="en-US" sz="2600" dirty="0">
               <a:latin typeface="Calibri" charset="0"/>
             </a:endParaRPr>
           </a:p>
           <a:p>
             <a:r>
-              <a:rPr lang="is-IS" sz="4000" dirty="0" smtClean="0">
-                <a:latin typeface="Calibri" charset="0"/>
-              </a:rPr>
-              <a:t>…</a:t>
-            </a:r>
-            <a:endParaRPr lang="en-US" dirty="0">
+              <a:rPr lang="en-US" sz="2600" dirty="0">
+                <a:latin typeface="Calibri" charset="0"/>
+              </a:rPr>
+              <a:t>Microsoft  </a:t>
+            </a:r>
+          </a:p>
+          <a:p>
+            <a:r>
+              <a:rPr lang="en-US" sz="2600" dirty="0" smtClean="0">
+                <a:latin typeface="Calibri" charset="0"/>
+              </a:rPr>
+              <a:t>Netflix</a:t>
+            </a:r>
+            <a:endParaRPr lang="en-US" sz="2600" dirty="0">
               <a:latin typeface="Calibri" charset="0"/>
             </a:endParaRPr>
           </a:p>
           <a:p>
-            <a:pPr lvl="1"/>
-            <a:endParaRPr lang="en-US" dirty="0">
+            <a:r>
+              <a:rPr lang="en-US" sz="2600" dirty="0" smtClean="0">
+                <a:latin typeface="Calibri" charset="0"/>
+              </a:rPr>
+              <a:t>Twitter</a:t>
+            </a:r>
+            <a:endParaRPr lang="en-US" sz="2600" dirty="0">
               <a:latin typeface="Calibri" charset="0"/>
             </a:endParaRPr>
           </a:p>
           <a:p>
-            <a:pPr>
-              <a:buFont typeface="Wingdings" charset="0"/>
-              <a:buNone/>
-            </a:pPr>
-            <a:endParaRPr lang="en-US" sz="1400" dirty="0">
+            <a:r>
+              <a:rPr lang="en-US" sz="2600" dirty="0">
+                <a:latin typeface="Calibri" charset="0"/>
+              </a:rPr>
+              <a:t>Dell</a:t>
+            </a:r>
+            <a:r>
+              <a:rPr lang="en-US" sz="2600" dirty="0" smtClean="0">
+                <a:latin typeface="Calibri" charset="0"/>
+              </a:rPr>
+              <a:t>, </a:t>
+            </a:r>
+            <a:r>
+              <a:rPr lang="en-US" sz="2600" dirty="0">
+                <a:latin typeface="Calibri" charset="0"/>
+              </a:rPr>
+              <a:t>Inc</a:t>
+            </a:r>
+            <a:r>
+              <a:rPr lang="en-US" sz="2600" dirty="0" smtClean="0">
+                <a:latin typeface="Calibri" charset="0"/>
+              </a:rPr>
+              <a:t>.</a:t>
+            </a:r>
+          </a:p>
+          <a:p>
+            <a:endParaRPr lang="en-US" sz="2600" dirty="0">
               <a:latin typeface="Calibri" charset="0"/>
             </a:endParaRPr>
           </a:p>
-          <a:p>
-            <a:endParaRPr lang="en-US" sz="1400" dirty="0">
+        </p:txBody>
+      </p:sp>
+      <p:sp>
+        <p:nvSpPr>
+          <p:cNvPr id="4" name="Rectangle 3"/>
+          <p:cNvSpPr txBox="1">
+            <a:spLocks noChangeArrowheads="1"/>
+          </p:cNvSpPr>
+          <p:nvPr/>
+        </p:nvSpPr>
+        <p:spPr bwMode="auto">
+          <a:xfrm>
+            <a:off x="5360709" y="1425009"/>
+            <a:ext cx="2974157" cy="4940266"/>
+          </a:xfrm>
+          <a:prstGeom prst="rect">
+            <a:avLst/>
+          </a:prstGeom>
+          <a:noFill/>
+          <a:ln w="9525">
+            <a:noFill/>
+            <a:miter lim="800000"/>
+            <a:headEnd/>
+            <a:tailEnd/>
+          </a:ln>
+        </p:spPr>
+        <p:txBody>
+          <a:bodyPr vert="horz" wrap="square" lIns="91440" tIns="45720" rIns="91440" bIns="45720" numCol="1" anchor="t" anchorCtr="0" compatLnSpc="1">
+            <a:prstTxWarp prst="textNoShape">
+              <a:avLst/>
+            </a:prstTxWarp>
+          </a:bodyPr>
+          <a:lstStyle>
+            <a:lvl1pPr marL="342900" indent="-342900" algn="l" rtl="0" eaLnBrk="1" fontAlgn="base" hangingPunct="1">
+              <a:spcBef>
+                <a:spcPct val="20000"/>
+              </a:spcBef>
+              <a:spcAft>
+                <a:spcPct val="0"/>
+              </a:spcAft>
+              <a:buFont typeface="Arial" charset="0"/>
+              <a:buChar char="•"/>
+              <a:defRPr sz="2400" kern="1200">
+                <a:solidFill>
+                  <a:schemeClr val="tx1"/>
+                </a:solidFill>
+                <a:latin typeface="+mn-lt"/>
+                <a:ea typeface="+mn-ea"/>
+                <a:cs typeface="+mn-cs"/>
+              </a:defRPr>
+            </a:lvl1pPr>
+            <a:lvl2pPr marL="742950" indent="-285750" algn="l" rtl="0" eaLnBrk="1" fontAlgn="base" hangingPunct="1">
+              <a:spcBef>
+                <a:spcPct val="20000"/>
+              </a:spcBef>
+              <a:spcAft>
+                <a:spcPct val="0"/>
+              </a:spcAft>
+              <a:buFont typeface="Arial" charset="0"/>
+              <a:buChar char="–"/>
+              <a:defRPr sz="2000" kern="1200">
+                <a:solidFill>
+                  <a:schemeClr val="tx1"/>
+                </a:solidFill>
+                <a:latin typeface="+mn-lt"/>
+                <a:ea typeface="+mn-ea"/>
+                <a:cs typeface="+mn-cs"/>
+              </a:defRPr>
+            </a:lvl2pPr>
+            <a:lvl3pPr marL="1143000" indent="-228600" algn="l" rtl="0" eaLnBrk="1" fontAlgn="base" hangingPunct="1">
+              <a:spcBef>
+                <a:spcPct val="20000"/>
+              </a:spcBef>
+              <a:spcAft>
+                <a:spcPct val="0"/>
+              </a:spcAft>
+              <a:buFont typeface="Arial" charset="0"/>
+              <a:buChar char="•"/>
+              <a:defRPr kern="1200">
+                <a:solidFill>
+                  <a:schemeClr val="tx1"/>
+                </a:solidFill>
+                <a:latin typeface="+mn-lt"/>
+                <a:ea typeface="+mn-ea"/>
+                <a:cs typeface="+mn-cs"/>
+              </a:defRPr>
+            </a:lvl3pPr>
+            <a:lvl4pPr marL="1600200" indent="-228600" algn="l" rtl="0" eaLnBrk="1" fontAlgn="base" hangingPunct="1">
+              <a:spcBef>
+                <a:spcPct val="20000"/>
+              </a:spcBef>
+              <a:spcAft>
+                <a:spcPct val="0"/>
+              </a:spcAft>
+              <a:buFont typeface="Arial" charset="0"/>
+              <a:buChar char="–"/>
+              <a:defRPr sz="1600" kern="1200">
+                <a:solidFill>
+                  <a:schemeClr val="tx1"/>
+                </a:solidFill>
+                <a:latin typeface="+mn-lt"/>
+                <a:ea typeface="+mn-ea"/>
+                <a:cs typeface="+mn-cs"/>
+              </a:defRPr>
+            </a:lvl4pPr>
+            <a:lvl5pPr marL="2057400" indent="-228600" algn="l" rtl="0" eaLnBrk="1" fontAlgn="base" hangingPunct="1">
+              <a:spcBef>
+                <a:spcPct val="20000"/>
+              </a:spcBef>
+              <a:spcAft>
+                <a:spcPct val="0"/>
+              </a:spcAft>
+              <a:buFont typeface="Arial" charset="0"/>
+              <a:buChar char="»"/>
+              <a:defRPr sz="1600" kern="1200">
+                <a:solidFill>
+                  <a:schemeClr val="tx1"/>
+                </a:solidFill>
+                <a:latin typeface="+mn-lt"/>
+                <a:ea typeface="+mn-ea"/>
+                <a:cs typeface="+mn-cs"/>
+              </a:defRPr>
+            </a:lvl5pPr>
+            <a:lvl6pPr marL="2514600" indent="-228600" algn="l" defTabSz="914400" rtl="0" eaLnBrk="1" latinLnBrk="0" hangingPunct="1">
+              <a:spcBef>
+                <a:spcPct val="20000"/>
+              </a:spcBef>
+              <a:buFont typeface="Arial" pitchFamily="34" charset="0"/>
+              <a:buChar char="•"/>
+              <a:defRPr sz="2000" kern="1200">
+                <a:solidFill>
+                  <a:schemeClr val="tx1"/>
+                </a:solidFill>
+                <a:latin typeface="+mn-lt"/>
+                <a:ea typeface="+mn-ea"/>
+                <a:cs typeface="+mn-cs"/>
+              </a:defRPr>
+            </a:lvl6pPr>
+            <a:lvl7pPr marL="2971800" indent="-228600" algn="l" defTabSz="914400" rtl="0" eaLnBrk="1" latinLnBrk="0" hangingPunct="1">
+              <a:spcBef>
+                <a:spcPct val="20000"/>
+              </a:spcBef>
+              <a:buFont typeface="Arial" pitchFamily="34" charset="0"/>
+              <a:buChar char="•"/>
+              <a:defRPr sz="2000" kern="1200">
+                <a:solidFill>
+                  <a:schemeClr val="tx1"/>
+                </a:solidFill>
+                <a:latin typeface="+mn-lt"/>
+                <a:ea typeface="+mn-ea"/>
+                <a:cs typeface="+mn-cs"/>
+              </a:defRPr>
+            </a:lvl7pPr>
+            <a:lvl8pPr marL="3429000" indent="-228600" algn="l" defTabSz="914400" rtl="0" eaLnBrk="1" latinLnBrk="0" hangingPunct="1">
+              <a:spcBef>
+                <a:spcPct val="20000"/>
+              </a:spcBef>
+              <a:buFont typeface="Arial" pitchFamily="34" charset="0"/>
+              <a:buChar char="•"/>
+              <a:defRPr sz="2000" kern="1200">
+                <a:solidFill>
+                  <a:schemeClr val="tx1"/>
+                </a:solidFill>
+                <a:latin typeface="+mn-lt"/>
+                <a:ea typeface="+mn-ea"/>
+                <a:cs typeface="+mn-cs"/>
+              </a:defRPr>
+            </a:lvl8pPr>
+            <a:lvl9pPr marL="3886200" indent="-228600" algn="l" defTabSz="914400" rtl="0" eaLnBrk="1" latinLnBrk="0" hangingPunct="1">
+              <a:spcBef>
+                <a:spcPct val="20000"/>
+              </a:spcBef>
+              <a:buFont typeface="Arial" pitchFamily="34" charset="0"/>
+              <a:buChar char="•"/>
+              <a:defRPr sz="2000" kern="1200">
+                <a:solidFill>
+                  <a:schemeClr val="tx1"/>
+                </a:solidFill>
+                <a:latin typeface="+mn-lt"/>
+                <a:ea typeface="+mn-ea"/>
+                <a:cs typeface="+mn-cs"/>
+              </a:defRPr>
+            </a:lvl9pPr>
+          </a:lstStyle>
+          <a:p>
+            <a:r>
+              <a:rPr lang="en-US" sz="2600" dirty="0">
+                <a:latin typeface="Calibri" charset="0"/>
+              </a:rPr>
+              <a:t>NBC </a:t>
+            </a:r>
+          </a:p>
+          <a:p>
+            <a:r>
+              <a:rPr lang="en-US" sz="2600" dirty="0">
+                <a:latin typeface="Calibri" charset="0"/>
+              </a:rPr>
+              <a:t>EA </a:t>
+            </a:r>
+          </a:p>
+          <a:p>
+            <a:r>
+              <a:rPr lang="en-US" sz="2600" dirty="0">
+                <a:latin typeface="Calibri" charset="0"/>
+              </a:rPr>
+              <a:t>Match </a:t>
+            </a:r>
+          </a:p>
+          <a:p>
+            <a:r>
+              <a:rPr lang="en-US" sz="2600" dirty="0" smtClean="0">
+                <a:latin typeface="Calibri" charset="0"/>
+              </a:rPr>
+              <a:t>MLB</a:t>
+            </a:r>
+            <a:endParaRPr lang="en-US" sz="2600" dirty="0">
               <a:latin typeface="Calibri" charset="0"/>
             </a:endParaRPr>
+          </a:p>
+          <a:p>
+            <a:r>
+              <a:rPr lang="en-US" sz="2600" dirty="0" smtClean="0">
+                <a:latin typeface="Calibri" charset="0"/>
+              </a:rPr>
+              <a:t>ESPN</a:t>
+            </a:r>
+            <a:endParaRPr lang="en-US" sz="2600" dirty="0">
+              <a:latin typeface="Calibri" charset="0"/>
+            </a:endParaRPr>
+          </a:p>
+          <a:p>
+            <a:r>
+              <a:rPr lang="en-US" sz="2600" dirty="0">
+                <a:latin typeface="Calibri" charset="0"/>
+              </a:rPr>
+              <a:t>Best Buy</a:t>
+            </a:r>
           </a:p>
         </p:txBody>
       </p:sp>
     </p:spTree>
     <p:extLst>
       <p:ext uri="{BB962C8B-B14F-4D97-AF65-F5344CB8AC3E}">
-        <p14:creationId xmlns:p14="http://schemas.microsoft.com/office/powerpoint/2010/main" val="1809133992"/>
+        <p14:creationId xmlns:p14="http://schemas.microsoft.com/office/powerpoint/2010/main" val="3887828627"/>
       </p:ext>
     </p:extLst>
   </p:cSld>
@@ -5541,7 +7728,7 @@
       </p:transition>
     </mc:Choice>
     <mc:Fallback xmlns="">
-      <p:transition xmlns:p14="http://schemas.microsoft.com/office/powerpoint/2010/main">
+      <p:transition>
         <p:cut/>
       </p:transition>
     </mc:Fallback>
@@ -5549,213 +7736,7 @@
   <p:timing>
     <p:tnLst>
       <p:par>
-        <p:cTn id="1" dur="indefinite" restart="never" nodeType="tmRoot">
-          <p:childTnLst>
-            <p:seq concurrent="1" nextAc="seek">
-              <p:cTn id="2" dur="indefinite" nodeType="mainSeq">
-                <p:childTnLst>
-                  <p:par>
-                    <p:cTn id="3" fill="hold">
-                      <p:stCondLst>
-                        <p:cond delay="indefinite"/>
-                      </p:stCondLst>
-                      <p:childTnLst>
-                        <p:par>
-                          <p:cTn id="4" fill="hold">
-                            <p:stCondLst>
-                              <p:cond delay="0"/>
-                            </p:stCondLst>
-                            <p:childTnLst>
-                              <p:par>
-                                <p:cTn id="5" presetID="14" presetClass="entr" presetSubtype="10" fill="hold" nodeType="clickEffect">
-                                  <p:stCondLst>
-                                    <p:cond delay="0"/>
-                                  </p:stCondLst>
-                                  <p:childTnLst>
-                                    <p:set>
-                                      <p:cBhvr>
-                                        <p:cTn id="6" dur="1" fill="hold">
-                                          <p:stCondLst>
-                                            <p:cond delay="0"/>
-                                          </p:stCondLst>
-                                        </p:cTn>
-                                        <p:tgtEl>
-                                          <p:spTgt spid="5">
-                                            <p:txEl>
-                                              <p:pRg st="0" end="0"/>
-                                            </p:txEl>
-                                          </p:spTgt>
-                                        </p:tgtEl>
-                                        <p:attrNameLst>
-                                          <p:attrName>style.visibility</p:attrName>
-                                        </p:attrNameLst>
-                                      </p:cBhvr>
-                                      <p:to>
-                                        <p:strVal val="visible"/>
-                                      </p:to>
-                                    </p:set>
-                                    <p:animEffect transition="in" filter="randombar(horizontal)">
-                                      <p:cBhvr>
-                                        <p:cTn id="7" dur="500"/>
-                                        <p:tgtEl>
-                                          <p:spTgt spid="5">
-                                            <p:txEl>
-                                              <p:pRg st="0" end="0"/>
-                                            </p:txEl>
-                                          </p:spTgt>
-                                        </p:tgtEl>
-                                      </p:cBhvr>
-                                    </p:animEffect>
-                                  </p:childTnLst>
-                                </p:cTn>
-                              </p:par>
-                            </p:childTnLst>
-                          </p:cTn>
-                        </p:par>
-                      </p:childTnLst>
-                    </p:cTn>
-                  </p:par>
-                  <p:par>
-                    <p:cTn id="8" fill="hold">
-                      <p:stCondLst>
-                        <p:cond delay="indefinite"/>
-                      </p:stCondLst>
-                      <p:childTnLst>
-                        <p:par>
-                          <p:cTn id="9" fill="hold">
-                            <p:stCondLst>
-                              <p:cond delay="0"/>
-                            </p:stCondLst>
-                            <p:childTnLst>
-                              <p:par>
-                                <p:cTn id="10" presetID="14" presetClass="entr" presetSubtype="10" fill="hold" nodeType="clickEffect">
-                                  <p:stCondLst>
-                                    <p:cond delay="0"/>
-                                  </p:stCondLst>
-                                  <p:childTnLst>
-                                    <p:set>
-                                      <p:cBhvr>
-                                        <p:cTn id="11" dur="1" fill="hold">
-                                          <p:stCondLst>
-                                            <p:cond delay="0"/>
-                                          </p:stCondLst>
-                                        </p:cTn>
-                                        <p:tgtEl>
-                                          <p:spTgt spid="5">
-                                            <p:txEl>
-                                              <p:pRg st="1" end="1"/>
-                                            </p:txEl>
-                                          </p:spTgt>
-                                        </p:tgtEl>
-                                        <p:attrNameLst>
-                                          <p:attrName>style.visibility</p:attrName>
-                                        </p:attrNameLst>
-                                      </p:cBhvr>
-                                      <p:to>
-                                        <p:strVal val="visible"/>
-                                      </p:to>
-                                    </p:set>
-                                    <p:animEffect transition="in" filter="randombar(horizontal)">
-                                      <p:cBhvr>
-                                        <p:cTn id="12" dur="500"/>
-                                        <p:tgtEl>
-                                          <p:spTgt spid="5">
-                                            <p:txEl>
-                                              <p:pRg st="1" end="1"/>
-                                            </p:txEl>
-                                          </p:spTgt>
-                                        </p:tgtEl>
-                                      </p:cBhvr>
-                                    </p:animEffect>
-                                  </p:childTnLst>
-                                </p:cTn>
-                              </p:par>
-                            </p:childTnLst>
-                          </p:cTn>
-                        </p:par>
-                      </p:childTnLst>
-                    </p:cTn>
-                  </p:par>
-                  <p:par>
-                    <p:cTn id="13" fill="hold">
-                      <p:stCondLst>
-                        <p:cond delay="indefinite"/>
-                      </p:stCondLst>
-                      <p:childTnLst>
-                        <p:par>
-                          <p:cTn id="14" fill="hold">
-                            <p:stCondLst>
-                              <p:cond delay="0"/>
-                            </p:stCondLst>
-                            <p:childTnLst>
-                              <p:par>
-                                <p:cTn id="15" presetID="14" presetClass="entr" presetSubtype="10" fill="hold" nodeType="clickEffect">
-                                  <p:stCondLst>
-                                    <p:cond delay="0"/>
-                                  </p:stCondLst>
-                                  <p:childTnLst>
-                                    <p:set>
-                                      <p:cBhvr>
-                                        <p:cTn id="16" dur="1" fill="hold">
-                                          <p:stCondLst>
-                                            <p:cond delay="0"/>
-                                          </p:stCondLst>
-                                        </p:cTn>
-                                        <p:tgtEl>
-                                          <p:spTgt spid="5">
-                                            <p:txEl>
-                                              <p:pRg st="2" end="2"/>
-                                            </p:txEl>
-                                          </p:spTgt>
-                                        </p:tgtEl>
-                                        <p:attrNameLst>
-                                          <p:attrName>style.visibility</p:attrName>
-                                        </p:attrNameLst>
-                                      </p:cBhvr>
-                                      <p:to>
-                                        <p:strVal val="visible"/>
-                                      </p:to>
-                                    </p:set>
-                                    <p:animEffect transition="in" filter="randombar(horizontal)">
-                                      <p:cBhvr>
-                                        <p:cTn id="17" dur="500"/>
-                                        <p:tgtEl>
-                                          <p:spTgt spid="5">
-                                            <p:txEl>
-                                              <p:pRg st="2" end="2"/>
-                                            </p:txEl>
-                                          </p:spTgt>
-                                        </p:tgtEl>
-                                      </p:cBhvr>
-                                    </p:animEffect>
-                                  </p:childTnLst>
-                                </p:cTn>
-                              </p:par>
-                            </p:childTnLst>
-                          </p:cTn>
-                        </p:par>
-                      </p:childTnLst>
-                    </p:cTn>
-                  </p:par>
-                </p:childTnLst>
-              </p:cTn>
-              <p:prevCondLst>
-                <p:cond evt="onPrev" delay="0">
-                  <p:tgtEl>
-                    <p:sldTgt/>
-                  </p:tgtEl>
-                </p:cond>
-              </p:prevCondLst>
-              <p:nextCondLst>
-                <p:cond evt="onNext" delay="0">
-                  <p:tgtEl>
-                    <p:sldTgt/>
-                  </p:tgtEl>
-                </p:cond>
-              </p:nextCondLst>
-            </p:seq>
-          </p:childTnLst>
-        </p:cTn>
+        <p:cTn id="1" dur="indefinite" restart="never" nodeType="tmRoot"/>
       </p:par>
     </p:tnLst>
   </p:timing>
@@ -5804,7 +7785,14 @@
                 <a:latin typeface="Avenir Medium"/>
                 <a:cs typeface="Avenir Medium"/>
               </a:rPr>
-              <a:t>REFERENCES</a:t>
+              <a:t>Setting up </a:t>
+            </a:r>
+            <a:r>
+              <a:rPr lang="en-US" dirty="0" err="1" smtClean="0">
+                <a:latin typeface="Avenir Medium"/>
+                <a:cs typeface="Avenir Medium"/>
+              </a:rPr>
+              <a:t>jQuery</a:t>
             </a:r>
             <a:endParaRPr lang="en-US" dirty="0">
               <a:latin typeface="Avenir Medium"/>
@@ -5834,59 +7822,225 @@
           <a:lstStyle/>
           <a:p>
             <a:r>
-              <a:rPr lang="en-US" sz="4000" dirty="0" smtClean="0">
-                <a:latin typeface="Calibri" charset="0"/>
-                <a:hlinkClick r:id="rId2"/>
-              </a:rPr>
-              <a:t>www.qsoftvietnam.com</a:t>
-            </a:r>
-            <a:r>
-              <a:rPr lang="en-US" sz="4000" dirty="0" smtClean="0">
-                <a:latin typeface="Calibri" charset="0"/>
-              </a:rPr>
-              <a:t> </a:t>
-            </a:r>
-            <a:endParaRPr lang="en-US" sz="4000" dirty="0">
+              <a:rPr lang="en-US" sz="2600" dirty="0">
+                <a:latin typeface="Calibri" charset="0"/>
+              </a:rPr>
+              <a:t>Include </a:t>
+            </a:r>
+            <a:r>
+              <a:rPr lang="en-US" sz="2600" dirty="0" err="1">
+                <a:latin typeface="Calibri" charset="0"/>
+              </a:rPr>
+              <a:t>jQuery</a:t>
+            </a:r>
+            <a:r>
+              <a:rPr lang="en-US" sz="2600" dirty="0">
+                <a:latin typeface="Calibri" charset="0"/>
+              </a:rPr>
+              <a:t> on the page</a:t>
+            </a:r>
+          </a:p>
+          <a:p>
+            <a:pPr marL="0" indent="0">
+              <a:buNone/>
+            </a:pPr>
+            <a:endParaRPr lang="en-US" sz="2600" dirty="0">
               <a:latin typeface="Calibri" charset="0"/>
             </a:endParaRPr>
           </a:p>
           <a:p>
             <a:r>
-              <a:rPr lang="en-US" sz="4000" dirty="0" smtClean="0">
-                <a:latin typeface="Calibri" charset="0"/>
-                <a:hlinkClick r:id="rId2"/>
-              </a:rPr>
-              <a:t>www.qsoftvietnam.com</a:t>
-            </a:r>
-            <a:r>
-              <a:rPr lang="en-US" sz="4000" dirty="0" smtClean="0">
-                <a:latin typeface="Calibri" charset="0"/>
-              </a:rPr>
-              <a:t> </a:t>
-            </a:r>
-          </a:p>
-          <a:p>
-            <a:r>
-              <a:rPr lang="is-IS" sz="4000" dirty="0" smtClean="0">
-                <a:latin typeface="Calibri" charset="0"/>
-              </a:rPr>
-              <a:t>…</a:t>
-            </a:r>
-            <a:endParaRPr lang="en-US" dirty="0">
-              <a:latin typeface="Calibri" charset="0"/>
-            </a:endParaRPr>
-          </a:p>
-          <a:p>
-            <a:pPr>
-              <a:buFont typeface="Wingdings" charset="0"/>
+              <a:rPr lang="en-US" sz="2600" dirty="0">
+                <a:latin typeface="Calibri" charset="0"/>
+              </a:rPr>
+              <a:t>Download latest from jQuery.com</a:t>
+            </a:r>
+            <a:br>
+              <a:rPr lang="en-US" sz="2600" dirty="0">
+                <a:latin typeface="Calibri" charset="0"/>
+              </a:rPr>
+            </a:br>
+            <a:r>
+              <a:rPr lang="en-US" sz="2600" dirty="0">
+                <a:latin typeface="Calibri" charset="0"/>
+              </a:rPr>
+              <a:t/>
+            </a:r>
+            <a:br>
+              <a:rPr lang="en-US" sz="2600" dirty="0">
+                <a:latin typeface="Calibri" charset="0"/>
+              </a:rPr>
+            </a:br>
+            <a:r>
+              <a:rPr lang="en-US" sz="2600" dirty="0" smtClean="0">
+                <a:latin typeface="Calibri" charset="0"/>
+              </a:rPr>
+              <a:t>	&lt;</a:t>
+            </a:r>
+            <a:r>
+              <a:rPr lang="en-US" sz="2600" dirty="0">
+                <a:latin typeface="Calibri" charset="0"/>
+              </a:rPr>
+              <a:t>script </a:t>
+            </a:r>
+            <a:r>
+              <a:rPr lang="en-US" sz="2600" dirty="0" err="1" smtClean="0">
+                <a:latin typeface="Calibri" charset="0"/>
+              </a:rPr>
+              <a:t>src</a:t>
+            </a:r>
+            <a:r>
+              <a:rPr lang="en-US" sz="2600" dirty="0" smtClean="0">
+                <a:latin typeface="Calibri" charset="0"/>
+              </a:rPr>
+              <a:t>=“jquery-1.11.3.min.js”&gt;&lt;/</a:t>
+            </a:r>
+            <a:r>
+              <a:rPr lang="en-US" sz="2600" dirty="0">
+                <a:latin typeface="Calibri" charset="0"/>
+              </a:rPr>
+              <a:t>script</a:t>
+            </a:r>
+            <a:r>
+              <a:rPr lang="en-US" sz="2600" dirty="0" smtClean="0">
+                <a:latin typeface="Calibri" charset="0"/>
+              </a:rPr>
+              <a:t>&gt;</a:t>
+            </a:r>
+          </a:p>
+          <a:p>
+            <a:pPr marL="0" indent="0">
               <a:buNone/>
             </a:pPr>
-            <a:endParaRPr lang="en-US" sz="1400" dirty="0">
-              <a:latin typeface="Calibri" charset="0"/>
-            </a:endParaRPr>
-          </a:p>
-          <a:p>
-            <a:endParaRPr lang="en-US" sz="1400" dirty="0">
+            <a:r>
+              <a:rPr lang="en-US" sz="2600" dirty="0" smtClean="0">
+                <a:latin typeface="Calibri" charset="0"/>
+              </a:rPr>
+              <a:t>	&lt;</a:t>
+            </a:r>
+            <a:r>
+              <a:rPr lang="en-US" sz="2600" dirty="0">
+                <a:latin typeface="Calibri" charset="0"/>
+              </a:rPr>
+              <a:t>script </a:t>
+            </a:r>
+            <a:r>
+              <a:rPr lang="en-US" sz="2600" dirty="0" err="1" smtClean="0">
+                <a:latin typeface="Calibri" charset="0"/>
+              </a:rPr>
+              <a:t>src</a:t>
+            </a:r>
+            <a:r>
+              <a:rPr lang="en-US" sz="2600" dirty="0" smtClean="0">
+                <a:latin typeface="Calibri" charset="0"/>
+              </a:rPr>
+              <a:t>=“jquery-2.1.4.min.js” &gt;&lt;/</a:t>
+            </a:r>
+            <a:r>
+              <a:rPr lang="en-US" sz="2600" dirty="0">
+                <a:latin typeface="Calibri" charset="0"/>
+              </a:rPr>
+              <a:t>script</a:t>
+            </a:r>
+            <a:r>
+              <a:rPr lang="en-US" sz="2600" dirty="0" smtClean="0">
+                <a:latin typeface="Calibri" charset="0"/>
+              </a:rPr>
+              <a:t>&gt;</a:t>
+            </a:r>
+          </a:p>
+          <a:p>
+            <a:r>
+              <a:rPr lang="en-US" sz="2600" dirty="0">
+                <a:latin typeface="Calibri" charset="0"/>
+              </a:rPr>
+              <a:t>Include the latest from Google AJAX Libraries API</a:t>
+            </a:r>
+            <a:br>
+              <a:rPr lang="en-US" sz="2600" dirty="0">
+                <a:latin typeface="Calibri" charset="0"/>
+              </a:rPr>
+            </a:br>
+            <a:r>
+              <a:rPr lang="en-US" sz="2600" dirty="0">
+                <a:latin typeface="Calibri" charset="0"/>
+              </a:rPr>
+              <a:t/>
+            </a:r>
+            <a:br>
+              <a:rPr lang="en-US" sz="2600" dirty="0">
+                <a:latin typeface="Calibri" charset="0"/>
+              </a:rPr>
+            </a:br>
+            <a:r>
+              <a:rPr lang="en-US" sz="2600" dirty="0">
+                <a:latin typeface="Calibri" charset="0"/>
+              </a:rPr>
+              <a:t>&lt;script </a:t>
+            </a:r>
+            <a:r>
+              <a:rPr lang="en-US" sz="2600" dirty="0" err="1">
+                <a:latin typeface="Calibri" charset="0"/>
+              </a:rPr>
+              <a:t>src</a:t>
+            </a:r>
+            <a:r>
+              <a:rPr lang="en-US" sz="2600" dirty="0" smtClean="0">
+                <a:latin typeface="Calibri" charset="0"/>
+              </a:rPr>
+              <a:t>="http://ajax.googleapis.com/</a:t>
+            </a:r>
+            <a:r>
+              <a:rPr lang="en-US" sz="2600" dirty="0" err="1" smtClean="0">
+                <a:latin typeface="Calibri" charset="0"/>
+              </a:rPr>
+              <a:t>ajax</a:t>
+            </a:r>
+            <a:r>
+              <a:rPr lang="en-US" sz="2600" dirty="0" smtClean="0">
+                <a:latin typeface="Calibri" charset="0"/>
+              </a:rPr>
+              <a:t>/libs/</a:t>
+            </a:r>
+            <a:r>
+              <a:rPr lang="en-US" sz="2600" dirty="0" err="1" smtClean="0">
+                <a:latin typeface="Calibri" charset="0"/>
+              </a:rPr>
+              <a:t>jquery</a:t>
+            </a:r>
+            <a:r>
+              <a:rPr lang="en-US" sz="2600" dirty="0" smtClean="0">
+                <a:latin typeface="Calibri" charset="0"/>
+              </a:rPr>
+              <a:t>/2.1.4/jquery.min.js" </a:t>
+            </a:r>
+            <a:r>
+              <a:rPr lang="en-US" sz="2600" dirty="0">
+                <a:latin typeface="Calibri" charset="0"/>
+              </a:rPr>
+              <a:t>type="text/</a:t>
+            </a:r>
+            <a:r>
+              <a:rPr lang="en-US" sz="2600" dirty="0" err="1">
+                <a:latin typeface="Calibri" charset="0"/>
+              </a:rPr>
+              <a:t>javascript</a:t>
+            </a:r>
+            <a:r>
+              <a:rPr lang="en-US" sz="2600" dirty="0">
+                <a:latin typeface="Calibri" charset="0"/>
+              </a:rPr>
+              <a:t>"&gt;&lt;/</a:t>
+            </a:r>
+            <a:r>
+              <a:rPr lang="en-US" sz="2600" dirty="0" smtClean="0">
+                <a:latin typeface="Calibri" charset="0"/>
+              </a:rPr>
+              <a:t>script&gt;</a:t>
+            </a:r>
+          </a:p>
+          <a:p>
+            <a:endParaRPr lang="en-US" sz="2600" dirty="0" smtClean="0">
               <a:latin typeface="Calibri" charset="0"/>
             </a:endParaRPr>
           </a:p>
@@ -5895,7 +8049,7 @@
     </p:spTree>
     <p:extLst>
       <p:ext uri="{BB962C8B-B14F-4D97-AF65-F5344CB8AC3E}">
-        <p14:creationId xmlns:p14="http://schemas.microsoft.com/office/powerpoint/2010/main" val="4110405133"/>
+        <p14:creationId xmlns:p14="http://schemas.microsoft.com/office/powerpoint/2010/main" val="4057487120"/>
       </p:ext>
     </p:extLst>
   </p:cSld>
@@ -5909,7 +8063,7 @@
       </p:transition>
     </mc:Choice>
     <mc:Fallback xmlns="">
-      <p:transition xmlns:p14="http://schemas.microsoft.com/office/powerpoint/2010/main">
+      <p:transition>
         <p:cut/>
       </p:transition>
     </mc:Fallback>
@@ -5917,91 +8071,7 @@
   <p:timing>
     <p:tnLst>
       <p:par>
-        <p:cTn id="1" dur="indefinite" restart="never" nodeType="tmRoot">
-          <p:childTnLst>
-            <p:seq concurrent="1" nextAc="seek">
-              <p:cTn id="2" dur="indefinite" nodeType="mainSeq">
-                <p:childTnLst>
-                  <p:par>
-                    <p:cTn id="3" fill="hold">
-                      <p:stCondLst>
-                        <p:cond delay="indefinite"/>
-                      </p:stCondLst>
-                      <p:childTnLst>
-                        <p:par>
-                          <p:cTn id="4" fill="hold">
-                            <p:stCondLst>
-                              <p:cond delay="0"/>
-                            </p:stCondLst>
-                            <p:childTnLst>
-                              <p:par>
-                                <p:cTn id="5" presetID="14" presetClass="entr" presetSubtype="10" fill="hold" nodeType="clickEffect">
-                                  <p:stCondLst>
-                                    <p:cond delay="0"/>
-                                  </p:stCondLst>
-                                  <p:childTnLst>
-                                    <p:set>
-                                      <p:cBhvr>
-                                        <p:cTn id="6" dur="1" fill="hold">
-                                          <p:stCondLst>
-                                            <p:cond delay="0"/>
-                                          </p:stCondLst>
-                                        </p:cTn>
-                                        <p:tgtEl>
-                                          <p:spTgt spid="5">
-                                            <p:txEl>
-                                              <p:pRg st="0" end="0"/>
-                                            </p:txEl>
-                                          </p:spTgt>
-                                        </p:tgtEl>
-                                        <p:attrNameLst>
-                                          <p:attrName>style.visibility</p:attrName>
-                                        </p:attrNameLst>
-                                      </p:cBhvr>
-                                      <p:to>
-                                        <p:strVal val="visible"/>
-                                      </p:to>
-                                    </p:set>
-                                    <p:animEffect transition="in" filter="randombar(horizontal)">
-                                      <p:cBhvr>
-                                        <p:cTn id="7" dur="500"/>
-                                        <p:tgtEl>
-                                          <p:spTgt spid="5">
-                                            <p:txEl>
-                                              <p:pRg st="0" end="0"/>
-                                            </p:txEl>
-                                          </p:spTgt>
-                                        </p:tgtEl>
-                                      </p:cBhvr>
-                                    </p:animEffect>
-                                  </p:childTnLst>
-                                </p:cTn>
-                              </p:par>
-                            </p:childTnLst>
-                          </p:cTn>
-                        </p:par>
-                      </p:childTnLst>
-                    </p:cTn>
-                  </p:par>
-                </p:childTnLst>
-              </p:cTn>
-              <p:prevCondLst>
-                <p:cond evt="onPrev" delay="0">
-                  <p:tgtEl>
-                    <p:sldTgt/>
-                  </p:tgtEl>
-                </p:cond>
-              </p:prevCondLst>
-              <p:nextCondLst>
-                <p:cond evt="onNext" delay="0">
-                  <p:tgtEl>
-                    <p:sldTgt/>
-                  </p:tgtEl>
-                </p:cond>
-              </p:nextCondLst>
-            </p:seq>
-          </p:childTnLst>
-        </p:cTn>
+        <p:cTn id="1" dur="indefinite" restart="never" nodeType="tmRoot"/>
       </p:par>
     </p:tnLst>
   </p:timing>
@@ -6025,34 +8095,521 @@
           <a:chExt cx="0" cy="0"/>
         </a:xfrm>
       </p:grpSpPr>
-      <p:pic>
-        <p:nvPicPr>
-          <p:cNvPr id="7" name="Picture 6"/>
-          <p:cNvPicPr>
-            <a:picLocks noChangeAspect="1"/>
-          </p:cNvPicPr>
-          <p:nvPr/>
-        </p:nvPicPr>
-        <p:blipFill>
-          <a:blip r:embed="rId2"/>
-          <a:stretch>
-            <a:fillRect/>
-          </a:stretch>
-        </p:blipFill>
+      <p:sp>
+        <p:nvSpPr>
+          <p:cNvPr id="8193" name="Rectangle 2"/>
+          <p:cNvSpPr>
+            <a:spLocks noGrp="1" noChangeArrowheads="1"/>
+          </p:cNvSpPr>
+          <p:nvPr>
+            <p:ph type="title"/>
+          </p:nvPr>
+        </p:nvSpPr>
         <p:spPr>
           <a:xfrm>
-            <a:off x="508000" y="1397000"/>
-            <a:ext cx="8128000" cy="4064000"/>
+            <a:off x="457200" y="512223"/>
+            <a:ext cx="8229600" cy="739014"/>
+          </a:xfrm>
+        </p:spPr>
+        <p:txBody>
+          <a:bodyPr/>
+          <a:lstStyle/>
+          <a:p>
+            <a:r>
+              <a:rPr lang="en-US" dirty="0" smtClean="0">
+                <a:latin typeface="Avenir Medium"/>
+                <a:cs typeface="Avenir Medium"/>
+              </a:rPr>
+              <a:t>CSS</a:t>
+            </a:r>
+            <a:endParaRPr lang="en-US" dirty="0">
+              <a:latin typeface="Avenir Medium"/>
+              <a:cs typeface="Avenir Medium"/>
+            </a:endParaRPr>
+          </a:p>
+        </p:txBody>
+      </p:sp>
+      <p:sp>
+        <p:nvSpPr>
+          <p:cNvPr id="5" name="Rectangle 3"/>
+          <p:cNvSpPr>
+            <a:spLocks noGrp="1" noChangeArrowheads="1"/>
+          </p:cNvSpPr>
+          <p:nvPr>
+            <p:ph idx="1"/>
+          </p:nvPr>
+        </p:nvSpPr>
+        <p:spPr>
+          <a:xfrm>
+            <a:off x="457200" y="1425008"/>
+            <a:ext cx="3370082" cy="5230315"/>
+          </a:xfrm>
+        </p:spPr>
+        <p:txBody>
+          <a:bodyPr/>
+          <a:lstStyle/>
+          <a:p>
+            <a:r>
+              <a:rPr lang="en-US" sz="2600" dirty="0" err="1">
+                <a:latin typeface="Calibri" charset="0"/>
+              </a:rPr>
+              <a:t>hasClass</a:t>
+            </a:r>
+            <a:r>
+              <a:rPr lang="en-US" sz="2600" dirty="0" smtClean="0">
+                <a:latin typeface="Calibri" charset="0"/>
+              </a:rPr>
+              <a:t>()</a:t>
+            </a:r>
+          </a:p>
+          <a:p>
+            <a:r>
+              <a:rPr lang="en-US" sz="2600" dirty="0" err="1" smtClean="0">
+                <a:latin typeface="Calibri" charset="0"/>
+              </a:rPr>
+              <a:t>addClass</a:t>
+            </a:r>
+            <a:r>
+              <a:rPr lang="en-US" sz="2600" dirty="0" smtClean="0">
+                <a:latin typeface="Calibri" charset="0"/>
+              </a:rPr>
+              <a:t>()</a:t>
+            </a:r>
+          </a:p>
+          <a:p>
+            <a:r>
+              <a:rPr lang="en-US" sz="2600" dirty="0" err="1">
+                <a:latin typeface="Calibri" charset="0"/>
+              </a:rPr>
+              <a:t>removeClass</a:t>
+            </a:r>
+            <a:r>
+              <a:rPr lang="en-US" sz="2600" dirty="0" smtClean="0">
+                <a:latin typeface="Calibri" charset="0"/>
+              </a:rPr>
+              <a:t>()</a:t>
+            </a:r>
+          </a:p>
+          <a:p>
+            <a:r>
+              <a:rPr lang="en-US" sz="2600" dirty="0" err="1">
+                <a:latin typeface="Calibri" charset="0"/>
+              </a:rPr>
+              <a:t>toggleClass</a:t>
+            </a:r>
+            <a:r>
+              <a:rPr lang="en-US" sz="2600" dirty="0">
+                <a:latin typeface="Calibri" charset="0"/>
+              </a:rPr>
+              <a:t>()</a:t>
+            </a:r>
+          </a:p>
+          <a:p>
+            <a:pPr marL="0" indent="0">
+              <a:buNone/>
+            </a:pPr>
+            <a:endParaRPr lang="en-US" sz="2600" dirty="0" smtClean="0">
+              <a:latin typeface="Calibri" charset="0"/>
+            </a:endParaRPr>
+          </a:p>
+          <a:p>
+            <a:r>
+              <a:rPr lang="en-US" sz="2600" dirty="0" err="1" smtClean="0">
+                <a:latin typeface="Calibri" charset="0"/>
+              </a:rPr>
+              <a:t>css</a:t>
+            </a:r>
+            <a:r>
+              <a:rPr lang="en-US" sz="2600" dirty="0" smtClean="0">
+                <a:latin typeface="Calibri" charset="0"/>
+              </a:rPr>
+              <a:t>()</a:t>
+            </a:r>
+          </a:p>
+          <a:p>
+            <a:r>
+              <a:rPr lang="en-US" sz="2600" dirty="0" smtClean="0">
+                <a:latin typeface="Calibri" charset="0"/>
+              </a:rPr>
+              <a:t>offset()</a:t>
+            </a:r>
+          </a:p>
+          <a:p>
+            <a:r>
+              <a:rPr lang="en-US" sz="2600" dirty="0" err="1" smtClean="0">
+                <a:latin typeface="Calibri" charset="0"/>
+              </a:rPr>
+              <a:t>posision</a:t>
+            </a:r>
+            <a:r>
+              <a:rPr lang="en-US" sz="2600" dirty="0" smtClean="0">
+                <a:latin typeface="Calibri" charset="0"/>
+              </a:rPr>
+              <a:t>()</a:t>
+            </a:r>
+          </a:p>
+          <a:p>
+            <a:endParaRPr lang="en-US" sz="2600" dirty="0" smtClean="0">
+              <a:latin typeface="Calibri" charset="0"/>
+            </a:endParaRPr>
+          </a:p>
+          <a:p>
+            <a:r>
+              <a:rPr lang="en-US" sz="2600" dirty="0" err="1" smtClean="0">
+                <a:latin typeface="Calibri" charset="0"/>
+              </a:rPr>
+              <a:t>jQuery.cssHooks</a:t>
+            </a:r>
+            <a:endParaRPr lang="en-US" sz="2600" dirty="0" smtClean="0">
+              <a:latin typeface="Calibri" charset="0"/>
+            </a:endParaRPr>
+          </a:p>
+          <a:p>
+            <a:r>
+              <a:rPr lang="en-US" sz="2600" dirty="0" err="1" smtClean="0">
+                <a:latin typeface="Calibri" charset="0"/>
+              </a:rPr>
+              <a:t>jQuery.cssNumber</a:t>
+            </a:r>
+            <a:endParaRPr lang="en-US" sz="2600" dirty="0" smtClean="0">
+              <a:latin typeface="Calibri" charset="0"/>
+            </a:endParaRPr>
+          </a:p>
+          <a:p>
+            <a:endParaRPr lang="en-US" sz="2600" dirty="0" smtClean="0">
+              <a:latin typeface="Calibri" charset="0"/>
+            </a:endParaRPr>
+          </a:p>
+        </p:txBody>
+      </p:sp>
+      <p:sp>
+        <p:nvSpPr>
+          <p:cNvPr id="4" name="Rectangle 3"/>
+          <p:cNvSpPr txBox="1">
+            <a:spLocks noChangeArrowheads="1"/>
+          </p:cNvSpPr>
+          <p:nvPr/>
+        </p:nvSpPr>
+        <p:spPr bwMode="auto">
+          <a:xfrm>
+            <a:off x="4898796" y="1425009"/>
+            <a:ext cx="3370082" cy="4940266"/>
           </a:xfrm>
           <a:prstGeom prst="rect">
             <a:avLst/>
           </a:prstGeom>
+          <a:noFill/>
+          <a:ln w="9525">
+            <a:noFill/>
+            <a:miter lim="800000"/>
+            <a:headEnd/>
+            <a:tailEnd/>
+          </a:ln>
         </p:spPr>
-      </p:pic>
+        <p:txBody>
+          <a:bodyPr vert="horz" wrap="square" lIns="91440" tIns="45720" rIns="91440" bIns="45720" numCol="1" anchor="t" anchorCtr="0" compatLnSpc="1">
+            <a:prstTxWarp prst="textNoShape">
+              <a:avLst/>
+            </a:prstTxWarp>
+          </a:bodyPr>
+          <a:lstStyle>
+            <a:lvl1pPr marL="342900" indent="-342900" algn="l" rtl="0" eaLnBrk="1" fontAlgn="base" hangingPunct="1">
+              <a:spcBef>
+                <a:spcPct val="20000"/>
+              </a:spcBef>
+              <a:spcAft>
+                <a:spcPct val="0"/>
+              </a:spcAft>
+              <a:buFont typeface="Arial" charset="0"/>
+              <a:buChar char="•"/>
+              <a:defRPr sz="2400" kern="1200">
+                <a:solidFill>
+                  <a:schemeClr val="tx1"/>
+                </a:solidFill>
+                <a:latin typeface="+mn-lt"/>
+                <a:ea typeface="+mn-ea"/>
+                <a:cs typeface="+mn-cs"/>
+              </a:defRPr>
+            </a:lvl1pPr>
+            <a:lvl2pPr marL="742950" indent="-285750" algn="l" rtl="0" eaLnBrk="1" fontAlgn="base" hangingPunct="1">
+              <a:spcBef>
+                <a:spcPct val="20000"/>
+              </a:spcBef>
+              <a:spcAft>
+                <a:spcPct val="0"/>
+              </a:spcAft>
+              <a:buFont typeface="Arial" charset="0"/>
+              <a:buChar char="–"/>
+              <a:defRPr sz="2000" kern="1200">
+                <a:solidFill>
+                  <a:schemeClr val="tx1"/>
+                </a:solidFill>
+                <a:latin typeface="+mn-lt"/>
+                <a:ea typeface="+mn-ea"/>
+                <a:cs typeface="+mn-cs"/>
+              </a:defRPr>
+            </a:lvl2pPr>
+            <a:lvl3pPr marL="1143000" indent="-228600" algn="l" rtl="0" eaLnBrk="1" fontAlgn="base" hangingPunct="1">
+              <a:spcBef>
+                <a:spcPct val="20000"/>
+              </a:spcBef>
+              <a:spcAft>
+                <a:spcPct val="0"/>
+              </a:spcAft>
+              <a:buFont typeface="Arial" charset="0"/>
+              <a:buChar char="•"/>
+              <a:defRPr kern="1200">
+                <a:solidFill>
+                  <a:schemeClr val="tx1"/>
+                </a:solidFill>
+                <a:latin typeface="+mn-lt"/>
+                <a:ea typeface="+mn-ea"/>
+                <a:cs typeface="+mn-cs"/>
+              </a:defRPr>
+            </a:lvl3pPr>
+            <a:lvl4pPr marL="1600200" indent="-228600" algn="l" rtl="0" eaLnBrk="1" fontAlgn="base" hangingPunct="1">
+              <a:spcBef>
+                <a:spcPct val="20000"/>
+              </a:spcBef>
+              <a:spcAft>
+                <a:spcPct val="0"/>
+              </a:spcAft>
+              <a:buFont typeface="Arial" charset="0"/>
+              <a:buChar char="–"/>
+              <a:defRPr sz="1600" kern="1200">
+                <a:solidFill>
+                  <a:schemeClr val="tx1"/>
+                </a:solidFill>
+                <a:latin typeface="+mn-lt"/>
+                <a:ea typeface="+mn-ea"/>
+                <a:cs typeface="+mn-cs"/>
+              </a:defRPr>
+            </a:lvl4pPr>
+            <a:lvl5pPr marL="2057400" indent="-228600" algn="l" rtl="0" eaLnBrk="1" fontAlgn="base" hangingPunct="1">
+              <a:spcBef>
+                <a:spcPct val="20000"/>
+              </a:spcBef>
+              <a:spcAft>
+                <a:spcPct val="0"/>
+              </a:spcAft>
+              <a:buFont typeface="Arial" charset="0"/>
+              <a:buChar char="»"/>
+              <a:defRPr sz="1600" kern="1200">
+                <a:solidFill>
+                  <a:schemeClr val="tx1"/>
+                </a:solidFill>
+                <a:latin typeface="+mn-lt"/>
+                <a:ea typeface="+mn-ea"/>
+                <a:cs typeface="+mn-cs"/>
+              </a:defRPr>
+            </a:lvl5pPr>
+            <a:lvl6pPr marL="2514600" indent="-228600" algn="l" defTabSz="914400" rtl="0" eaLnBrk="1" latinLnBrk="0" hangingPunct="1">
+              <a:spcBef>
+                <a:spcPct val="20000"/>
+              </a:spcBef>
+              <a:buFont typeface="Arial" pitchFamily="34" charset="0"/>
+              <a:buChar char="•"/>
+              <a:defRPr sz="2000" kern="1200">
+                <a:solidFill>
+                  <a:schemeClr val="tx1"/>
+                </a:solidFill>
+                <a:latin typeface="+mn-lt"/>
+                <a:ea typeface="+mn-ea"/>
+                <a:cs typeface="+mn-cs"/>
+              </a:defRPr>
+            </a:lvl6pPr>
+            <a:lvl7pPr marL="2971800" indent="-228600" algn="l" defTabSz="914400" rtl="0" eaLnBrk="1" latinLnBrk="0" hangingPunct="1">
+              <a:spcBef>
+                <a:spcPct val="20000"/>
+              </a:spcBef>
+              <a:buFont typeface="Arial" pitchFamily="34" charset="0"/>
+              <a:buChar char="•"/>
+              <a:defRPr sz="2000" kern="1200">
+                <a:solidFill>
+                  <a:schemeClr val="tx1"/>
+                </a:solidFill>
+                <a:latin typeface="+mn-lt"/>
+                <a:ea typeface="+mn-ea"/>
+                <a:cs typeface="+mn-cs"/>
+              </a:defRPr>
+            </a:lvl7pPr>
+            <a:lvl8pPr marL="3429000" indent="-228600" algn="l" defTabSz="914400" rtl="0" eaLnBrk="1" latinLnBrk="0" hangingPunct="1">
+              <a:spcBef>
+                <a:spcPct val="20000"/>
+              </a:spcBef>
+              <a:buFont typeface="Arial" pitchFamily="34" charset="0"/>
+              <a:buChar char="•"/>
+              <a:defRPr sz="2000" kern="1200">
+                <a:solidFill>
+                  <a:schemeClr val="tx1"/>
+                </a:solidFill>
+                <a:latin typeface="+mn-lt"/>
+                <a:ea typeface="+mn-ea"/>
+                <a:cs typeface="+mn-cs"/>
+              </a:defRPr>
+            </a:lvl8pPr>
+            <a:lvl9pPr marL="3886200" indent="-228600" algn="l" defTabSz="914400" rtl="0" eaLnBrk="1" latinLnBrk="0" hangingPunct="1">
+              <a:spcBef>
+                <a:spcPct val="20000"/>
+              </a:spcBef>
+              <a:buFont typeface="Arial" pitchFamily="34" charset="0"/>
+              <a:buChar char="•"/>
+              <a:defRPr sz="2000" kern="1200">
+                <a:solidFill>
+                  <a:schemeClr val="tx1"/>
+                </a:solidFill>
+                <a:latin typeface="+mn-lt"/>
+                <a:ea typeface="+mn-ea"/>
+                <a:cs typeface="+mn-cs"/>
+              </a:defRPr>
+            </a:lvl9pPr>
+          </a:lstStyle>
+          <a:p>
+            <a:r>
+              <a:rPr lang="en-US" sz="2600" dirty="0" err="1" smtClean="0">
+                <a:latin typeface="Calibri" charset="0"/>
+              </a:rPr>
+              <a:t>scrollLeft</a:t>
+            </a:r>
+            <a:r>
+              <a:rPr lang="en-US" sz="2600" dirty="0" smtClean="0">
+                <a:latin typeface="Calibri" charset="0"/>
+              </a:rPr>
+              <a:t>()</a:t>
+            </a:r>
+          </a:p>
+          <a:p>
+            <a:r>
+              <a:rPr lang="en-US" sz="2600" dirty="0" err="1" smtClean="0">
+                <a:latin typeface="Calibri" charset="0"/>
+              </a:rPr>
+              <a:t>scrollTop</a:t>
+            </a:r>
+            <a:r>
+              <a:rPr lang="en-US" sz="2600" dirty="0" smtClean="0">
+                <a:latin typeface="Calibri" charset="0"/>
+              </a:rPr>
+              <a:t>()</a:t>
+            </a:r>
+          </a:p>
+          <a:p>
+            <a:endParaRPr lang="en-US" sz="2600" dirty="0" smtClean="0">
+              <a:latin typeface="Calibri" charset="0"/>
+            </a:endParaRPr>
+          </a:p>
+          <a:p>
+            <a:r>
+              <a:rPr lang="en-US" sz="2600" dirty="0" smtClean="0">
+                <a:latin typeface="Calibri" charset="0"/>
+              </a:rPr>
+              <a:t>height</a:t>
+            </a:r>
+            <a:r>
+              <a:rPr lang="en-US" sz="2600" dirty="0">
+                <a:latin typeface="Calibri" charset="0"/>
+              </a:rPr>
+              <a:t>()</a:t>
+            </a:r>
+          </a:p>
+          <a:p>
+            <a:r>
+              <a:rPr lang="en-US" sz="2600" dirty="0" err="1">
+                <a:latin typeface="Calibri" charset="0"/>
+              </a:rPr>
+              <a:t>innerHeight</a:t>
+            </a:r>
+            <a:r>
+              <a:rPr lang="en-US" sz="2600" dirty="0" smtClean="0">
+                <a:latin typeface="Calibri" charset="0"/>
+              </a:rPr>
+              <a:t>()</a:t>
+            </a:r>
+          </a:p>
+          <a:p>
+            <a:r>
+              <a:rPr lang="en-US" sz="2600" dirty="0" err="1">
+                <a:latin typeface="Calibri" charset="0"/>
+              </a:rPr>
+              <a:t>outerHeight</a:t>
+            </a:r>
+            <a:r>
+              <a:rPr lang="en-US" sz="2600" dirty="0">
+                <a:latin typeface="Calibri" charset="0"/>
+              </a:rPr>
+              <a:t>()</a:t>
+            </a:r>
+          </a:p>
+          <a:p>
+            <a:endParaRPr lang="en-US" sz="2600" dirty="0" smtClean="0">
+              <a:latin typeface="Calibri" charset="0"/>
+            </a:endParaRPr>
+          </a:p>
+          <a:p>
+            <a:r>
+              <a:rPr lang="en-US" sz="2600" dirty="0">
+                <a:latin typeface="Calibri" charset="0"/>
+              </a:rPr>
+              <a:t>width</a:t>
+            </a:r>
+            <a:r>
+              <a:rPr lang="en-US" sz="2600" dirty="0" smtClean="0">
+                <a:latin typeface="Calibri" charset="0"/>
+              </a:rPr>
+              <a:t>()</a:t>
+            </a:r>
+            <a:endParaRPr lang="en-US" sz="2600" dirty="0">
+              <a:latin typeface="Calibri" charset="0"/>
+            </a:endParaRPr>
+          </a:p>
+          <a:p>
+            <a:r>
+              <a:rPr lang="en-US" sz="2600" dirty="0" err="1">
+                <a:latin typeface="Calibri" charset="0"/>
+              </a:rPr>
+              <a:t>innerWidth</a:t>
+            </a:r>
+            <a:r>
+              <a:rPr lang="en-US" sz="2600" dirty="0" smtClean="0">
+                <a:latin typeface="Calibri" charset="0"/>
+              </a:rPr>
+              <a:t>()</a:t>
+            </a:r>
+          </a:p>
+          <a:p>
+            <a:r>
+              <a:rPr lang="en-US" sz="2600" dirty="0" err="1">
+                <a:latin typeface="Calibri" charset="0"/>
+              </a:rPr>
+              <a:t>outerWidth</a:t>
+            </a:r>
+            <a:r>
+              <a:rPr lang="en-US" sz="2600" dirty="0">
+                <a:latin typeface="Calibri" charset="0"/>
+              </a:rPr>
+              <a:t>()</a:t>
+            </a:r>
+          </a:p>
+          <a:p>
+            <a:endParaRPr lang="en-US" sz="2600" dirty="0">
+              <a:latin typeface="Calibri" charset="0"/>
+            </a:endParaRPr>
+          </a:p>
+          <a:p>
+            <a:endParaRPr lang="en-US" sz="2600" dirty="0" smtClean="0">
+              <a:latin typeface="Calibri" charset="0"/>
+            </a:endParaRPr>
+          </a:p>
+          <a:p>
+            <a:endParaRPr lang="en-US" sz="2600" dirty="0" smtClean="0">
+              <a:latin typeface="Calibri" charset="0"/>
+            </a:endParaRPr>
+          </a:p>
+        </p:txBody>
+      </p:sp>
     </p:spTree>
     <p:extLst>
       <p:ext uri="{BB962C8B-B14F-4D97-AF65-F5344CB8AC3E}">
-        <p14:creationId xmlns:p14="http://schemas.microsoft.com/office/powerpoint/2010/main" val="2972145195"/>
+        <p14:creationId xmlns:p14="http://schemas.microsoft.com/office/powerpoint/2010/main" val="357140273"/>
       </p:ext>
     </p:extLst>
   </p:cSld>
@@ -6100,61 +8657,146 @@
       </p:grpSpPr>
       <p:sp>
         <p:nvSpPr>
-          <p:cNvPr id="2" name="Title 1"/>
+          <p:cNvPr id="8193" name="Rectangle 2"/>
           <p:cNvSpPr>
-            <a:spLocks noGrp="1"/>
+            <a:spLocks noGrp="1" noChangeArrowheads="1"/>
           </p:cNvSpPr>
           <p:nvPr>
-            <p:ph type="ctrTitle"/>
+            <p:ph type="title"/>
           </p:nvPr>
         </p:nvSpPr>
         <p:spPr>
           <a:xfrm>
-            <a:off x="685800" y="2464656"/>
-            <a:ext cx="7772400" cy="1470025"/>
+            <a:off x="457200" y="512223"/>
+            <a:ext cx="8229600" cy="739014"/>
           </a:xfrm>
         </p:spPr>
         <p:txBody>
-          <a:bodyPr>
-            <a:noAutofit/>
-          </a:bodyPr>
+          <a:bodyPr/>
           <a:lstStyle/>
           <a:p>
-            <a:pPr fontAlgn="auto">
-              <a:spcAft>
-                <a:spcPts val="0"/>
-              </a:spcAft>
-              <a:defRPr/>
+            <a:r>
+              <a:rPr lang="en-US" dirty="0" smtClean="0">
+                <a:latin typeface="Avenir Medium"/>
+                <a:cs typeface="Avenir Medium"/>
+              </a:rPr>
+              <a:t>Attributes</a:t>
+            </a:r>
+            <a:endParaRPr lang="en-US" dirty="0">
+              <a:latin typeface="Avenir Medium"/>
+              <a:cs typeface="Avenir Medium"/>
+            </a:endParaRPr>
+          </a:p>
+        </p:txBody>
+      </p:sp>
+      <p:sp>
+        <p:nvSpPr>
+          <p:cNvPr id="5" name="Rectangle 3"/>
+          <p:cNvSpPr>
+            <a:spLocks noGrp="1" noChangeArrowheads="1"/>
+          </p:cNvSpPr>
+          <p:nvPr>
+            <p:ph idx="1"/>
+          </p:nvPr>
+        </p:nvSpPr>
+        <p:spPr>
+          <a:xfrm>
+            <a:off x="457200" y="1425009"/>
+            <a:ext cx="8229600" cy="4940266"/>
+          </a:xfrm>
+        </p:spPr>
+        <p:txBody>
+          <a:bodyPr/>
+          <a:lstStyle/>
+          <a:p>
+            <a:r>
+              <a:rPr lang="en-US" sz="2600" dirty="0" err="1" smtClean="0">
+                <a:latin typeface="Calibri" charset="0"/>
+              </a:rPr>
+              <a:t>attr</a:t>
+            </a:r>
+            <a:r>
+              <a:rPr lang="en-US" sz="2600" dirty="0" smtClean="0">
+                <a:latin typeface="Calibri" charset="0"/>
+              </a:rPr>
+              <a:t>()</a:t>
+            </a:r>
+          </a:p>
+          <a:p>
+            <a:r>
+              <a:rPr lang="en-US" sz="2600" dirty="0" smtClean="0">
+                <a:latin typeface="Calibri" charset="0"/>
+              </a:rPr>
+              <a:t>html()</a:t>
+            </a:r>
+          </a:p>
+          <a:p>
+            <a:r>
+              <a:rPr lang="en-US" sz="2600" dirty="0" smtClean="0">
+                <a:latin typeface="Calibri" charset="0"/>
+              </a:rPr>
+              <a:t>prop()</a:t>
+            </a:r>
+          </a:p>
+          <a:p>
+            <a:r>
+              <a:rPr lang="en-US" sz="2600" dirty="0" err="1" smtClean="0">
+                <a:latin typeface="Calibri" charset="0"/>
+              </a:rPr>
+              <a:t>removeAttr</a:t>
+            </a:r>
+            <a:r>
+              <a:rPr lang="en-US" sz="2600" dirty="0" smtClean="0">
+                <a:latin typeface="Calibri" charset="0"/>
+              </a:rPr>
+              <a:t>()</a:t>
+            </a:r>
+          </a:p>
+          <a:p>
+            <a:r>
+              <a:rPr lang="en-US" sz="2600" dirty="0" err="1" smtClean="0">
+                <a:latin typeface="Calibri" charset="0"/>
+              </a:rPr>
+              <a:t>removeProp</a:t>
+            </a:r>
+            <a:r>
+              <a:rPr lang="en-US" sz="2600" dirty="0" smtClean="0">
+                <a:latin typeface="Calibri" charset="0"/>
+              </a:rPr>
+              <a:t>()</a:t>
+            </a:r>
+          </a:p>
+          <a:p>
+            <a:r>
+              <a:rPr lang="en-US" sz="2600" dirty="0" err="1" smtClean="0">
+                <a:latin typeface="Calibri" charset="0"/>
+              </a:rPr>
+              <a:t>val</a:t>
+            </a:r>
+            <a:r>
+              <a:rPr lang="en-US" sz="2600" dirty="0" smtClean="0">
+                <a:latin typeface="Calibri" charset="0"/>
+              </a:rPr>
+              <a:t>()</a:t>
+            </a:r>
+            <a:endParaRPr lang="en-US" sz="2600" dirty="0">
+              <a:latin typeface="Calibri" charset="0"/>
+            </a:endParaRPr>
+          </a:p>
+          <a:p>
+            <a:pPr marL="0" indent="0">
+              <a:buNone/>
             </a:pPr>
-            <a:r>
-              <a:rPr lang="en-US" sz="6000" b="1" dirty="0">
-                <a:solidFill>
-                  <a:schemeClr val="accent6">
-                    <a:lumMod val="75000"/>
-                  </a:schemeClr>
-                </a:solidFill>
-                <a:latin typeface="Constantia" pitchFamily="18" charset="0"/>
-              </a:rPr>
-              <a:t>THANK </a:t>
-            </a:r>
-            <a:r>
-              <a:rPr lang="en-US" sz="6000" b="1" dirty="0" smtClean="0">
-                <a:solidFill>
-                  <a:schemeClr val="accent6">
-                    <a:lumMod val="75000"/>
-                  </a:schemeClr>
-                </a:solidFill>
-                <a:latin typeface="Constantia" pitchFamily="18" charset="0"/>
-              </a:rPr>
-              <a:t>YOU!</a:t>
-            </a:r>
-            <a:endParaRPr lang="en-US" sz="6000" b="1" dirty="0">
-              <a:solidFill>
-                <a:schemeClr val="accent6">
-                  <a:lumMod val="75000"/>
-                </a:schemeClr>
-              </a:solidFill>
-              <a:latin typeface="Constantia" pitchFamily="18" charset="0"/>
+            <a:endParaRPr lang="en-US" sz="2600" dirty="0" smtClean="0">
+              <a:latin typeface="Calibri" charset="0"/>
+            </a:endParaRPr>
+          </a:p>
+          <a:p>
+            <a:pPr marL="0" indent="0">
+              <a:buNone/>
+            </a:pPr>
+            <a:endParaRPr lang="en-US" sz="2600" dirty="0" smtClean="0">
+              <a:latin typeface="Calibri" charset="0"/>
             </a:endParaRPr>
           </a:p>
         </p:txBody>
@@ -6162,7 +8804,7 @@
     </p:spTree>
     <p:extLst>
       <p:ext uri="{BB962C8B-B14F-4D97-AF65-F5344CB8AC3E}">
-        <p14:creationId xmlns:p14="http://schemas.microsoft.com/office/powerpoint/2010/main" val="3137979333"/>
+        <p14:creationId xmlns:p14="http://schemas.microsoft.com/office/powerpoint/2010/main" val="2134174140"/>
       </p:ext>
     </p:extLst>
   </p:cSld>

--- a/QS_Training_JS_JQuery_Basic.pptx
+++ b/QS_Training_JS_JQuery_Basic.pptx
@@ -225,7 +225,7 @@
             <a:fld id="{AEC239D8-9946-CA43-8D24-8F75F9EC746F}" type="datetimeFigureOut">
               <a:rPr lang="en-US" smtClean="0"/>
               <a:pPr/>
-              <a:t>27/07/2015</a:t>
+              <a:t>04/08/2015</a:t>
             </a:fld>
             <a:endParaRPr lang="en-US"/>
           </a:p>
@@ -393,7 +393,7 @@
             <a:fld id="{30D3C4F2-547F-4EAC-A4FB-1991884D518B}" type="datetimeFigureOut">
               <a:rPr lang="en-US" smtClean="0"/>
               <a:pPr/>
-              <a:t>27/07/2015</a:t>
+              <a:t>04/08/2015</a:t>
             </a:fld>
             <a:endParaRPr lang="en-US"/>
           </a:p>
@@ -935,7 +935,7 @@
           <a:p>
             <a:fld id="{8695E4D3-92F1-F74E-BDA8-3EA24612ADAC}" type="datetime2">
               <a:rPr lang="en-US" smtClean="0"/>
-              <a:t>Monday, July 27, 2015</a:t>
+              <a:t>Tuesday, August 04, 2015</a:t>
             </a:fld>
             <a:endParaRPr lang="en-US"/>
           </a:p>
@@ -1129,7 +1129,7 @@
           <a:p>
             <a:fld id="{9358C7B7-FC72-9D41-BEE1-BB86D4F232B4}" type="datetime2">
               <a:rPr lang="en-US" smtClean="0"/>
-              <a:t>Monday, July 27, 2015</a:t>
+              <a:t>Tuesday, August 04, 2015</a:t>
             </a:fld>
             <a:endParaRPr lang="en-US"/>
           </a:p>
@@ -1333,7 +1333,7 @@
           <a:p>
             <a:fld id="{556E821B-96E8-764D-BF74-9827494534E4}" type="datetime2">
               <a:rPr lang="en-US" smtClean="0"/>
-              <a:t>Monday, July 27, 2015</a:t>
+              <a:t>Tuesday, August 04, 2015</a:t>
             </a:fld>
             <a:endParaRPr lang="en-US"/>
           </a:p>
@@ -1537,7 +1537,7 @@
           <a:p>
             <a:fld id="{D8D89BD2-8F64-7D49-B0EC-A10964D418B9}" type="datetime2">
               <a:rPr lang="en-US" smtClean="0"/>
-              <a:t>Monday, July 27, 2015</a:t>
+              <a:t>Tuesday, August 04, 2015</a:t>
             </a:fld>
             <a:endParaRPr lang="en-US"/>
           </a:p>
@@ -1807,7 +1807,7 @@
           <a:p>
             <a:fld id="{5166F277-A6C8-D74E-AD9A-DEDC5E2BD837}" type="datetime2">
               <a:rPr lang="en-US" smtClean="0"/>
-              <a:t>Monday, July 27, 2015</a:t>
+              <a:t>Tuesday, August 04, 2015</a:t>
             </a:fld>
             <a:endParaRPr lang="en-US"/>
           </a:p>
@@ -2124,7 +2124,7 @@
           <a:p>
             <a:fld id="{68B6B04E-5C92-7445-BA45-A4E3769C0C5A}" type="datetime2">
               <a:rPr lang="en-US" smtClean="0"/>
-              <a:t>Monday, July 27, 2015</a:t>
+              <a:t>Tuesday, August 04, 2015</a:t>
             </a:fld>
             <a:endParaRPr lang="en-US"/>
           </a:p>
@@ -2575,7 +2575,7 @@
           <a:p>
             <a:fld id="{A48670BD-E6C9-264B-B690-760DD144ACC6}" type="datetime2">
               <a:rPr lang="en-US" smtClean="0"/>
-              <a:t>Monday, July 27, 2015</a:t>
+              <a:t>Tuesday, August 04, 2015</a:t>
             </a:fld>
             <a:endParaRPr lang="en-US"/>
           </a:p>
@@ -2722,7 +2722,7 @@
           <a:p>
             <a:fld id="{30675A36-41C1-3640-8C6B-1BC6AFC60484}" type="datetime2">
               <a:rPr lang="en-US" smtClean="0"/>
-              <a:t>Monday, July 27, 2015</a:t>
+              <a:t>Tuesday, August 04, 2015</a:t>
             </a:fld>
             <a:endParaRPr lang="en-US"/>
           </a:p>
@@ -2841,7 +2841,7 @@
           <a:p>
             <a:fld id="{937F365B-D897-1947-952A-6C45D93ACDC1}" type="datetime2">
               <a:rPr lang="en-US" smtClean="0"/>
-              <a:t>Monday, July 27, 2015</a:t>
+              <a:t>Tuesday, August 04, 2015</a:t>
             </a:fld>
             <a:endParaRPr lang="en-US"/>
           </a:p>
@@ -3142,7 +3142,7 @@
           <a:p>
             <a:fld id="{2BEF7792-C4C4-FC44-A7F5-725EC2CD30B1}" type="datetime2">
               <a:rPr lang="en-US" smtClean="0"/>
-              <a:t>Monday, July 27, 2015</a:t>
+              <a:t>Tuesday, August 04, 2015</a:t>
             </a:fld>
             <a:endParaRPr lang="en-US"/>
           </a:p>
@@ -3426,7 +3426,7 @@
           <a:p>
             <a:fld id="{EC13829E-7EE3-3944-BE84-808F00A9FAF3}" type="datetime2">
               <a:rPr lang="en-US" smtClean="0"/>
-              <a:t>Monday, July 27, 2015</a:t>
+              <a:t>Tuesday, August 04, 2015</a:t>
             </a:fld>
             <a:endParaRPr lang="en-US"/>
           </a:p>
@@ -3691,7 +3691,7 @@
           <a:p>
             <a:fld id="{92714F1E-B45D-F141-BCEC-0A4A490D9DB7}" type="datetime2">
               <a:rPr lang="en-US" smtClean="0"/>
-              <a:t>Monday, July 27, 2015</a:t>
+              <a:t>Tuesday, August 04, 2015</a:t>
             </a:fld>
             <a:endParaRPr lang="en-US" dirty="0"/>
           </a:p>
@@ -6110,14 +6110,7 @@
                 <a:latin typeface="Avenir Medium"/>
                 <a:cs typeface="Avenir Medium"/>
               </a:rPr>
-              <a:t>j</a:t>
-            </a:r>
-            <a:r>
-              <a:rPr lang="en-US" dirty="0" err="1" smtClean="0">
-                <a:latin typeface="Avenir Medium"/>
-                <a:cs typeface="Avenir Medium"/>
-              </a:rPr>
-              <a:t>Query</a:t>
+              <a:t>jQuery</a:t>
             </a:r>
             <a:endParaRPr lang="en-US" dirty="0">
               <a:latin typeface="Avenir Medium"/>
@@ -6150,13 +6143,7 @@
               <a:rPr lang="en-US" sz="2600" dirty="0" smtClean="0">
                 <a:latin typeface="Calibri" charset="0"/>
               </a:rPr>
-              <a:t>Light-</a:t>
-            </a:r>
-            <a:r>
-              <a:rPr lang="en-US" sz="2600" dirty="0" smtClean="0">
-                <a:latin typeface="Calibri" charset="0"/>
-              </a:rPr>
-              <a:t>weight </a:t>
+              <a:t>Light-weight </a:t>
             </a:r>
             <a:r>
               <a:rPr lang="en-US" sz="2600" dirty="0" err="1" smtClean="0">
@@ -6179,17 +6166,8 @@
               <a:rPr lang="en-US" sz="2600" dirty="0" smtClean="0">
                 <a:latin typeface="Calibri" charset="0"/>
               </a:rPr>
-              <a:t>Easy and </a:t>
-            </a:r>
-            <a:r>
-              <a:rPr lang="en-US" sz="2600" dirty="0" smtClean="0">
-                <a:latin typeface="Calibri" charset="0"/>
-              </a:rPr>
-              <a:t>fast HTML DOM selection</a:t>
-            </a:r>
-            <a:endParaRPr lang="en-US" sz="2600" dirty="0" smtClean="0">
-              <a:latin typeface="Calibri" charset="0"/>
-            </a:endParaRPr>
+              <a:t>Easy and fast HTML DOM selection</a:t>
+            </a:r>
           </a:p>
           <a:p>
             <a:r>
@@ -7238,9 +7216,6 @@
               </a:rPr>
               <a:t>://learn.jquery.com/using-jquery-core/avoid-conflicts-other-libraries/</a:t>
             </a:r>
-            <a:endParaRPr lang="en-US" sz="2200" dirty="0">
-              <a:latin typeface="Calibri" charset="0"/>
-            </a:endParaRPr>
           </a:p>
           <a:p>
             <a:pPr lvl="1"/>
